--- a/Partie personnelle Killian LABATTUT/Revue de projet n°2.pptx
+++ b/Partie personnelle Killian LABATTUT/Revue de projet n°2.pptx
@@ -6,6 +6,8 @@
   </p:sldMasterIdLst>
   <p:sldIdLst>
     <p:sldId id="256" r:id="rId2"/>
+    <p:sldId id="257" r:id="rId3"/>
+    <p:sldId id="258" r:id="rId4"/>
   </p:sldIdLst>
   <p:sldSz cx="12192000" cy="6858000"/>
   <p:notesSz cx="6858000" cy="9144000"/>
@@ -104,6 +106,11 @@
       </a:defRPr>
     </a:lvl9pPr>
   </p:defaultTextStyle>
+  <p:extLst>
+    <p:ext uri="{EFAFB233-063F-42B5-8137-9DF3F51BA10A}">
+      <p15:sldGuideLst xmlns:p15="http://schemas.microsoft.com/office/powerpoint/2012/main"/>
+    </p:ext>
+  </p:extLst>
 </p:presentation>
 </file>
 
@@ -13869,23 +13876,31 @@
         </p:nvSpPr>
         <p:spPr>
           <a:xfrm>
-            <a:off x="2575178" y="1595718"/>
-            <a:ext cx="7041643" cy="823573"/>
+            <a:off x="896468" y="1479177"/>
+            <a:ext cx="10399059" cy="823573"/>
           </a:xfrm>
         </p:spPr>
         <p:txBody>
           <a:bodyPr/>
           <a:lstStyle/>
           <a:p>
+            <a:pPr algn="ctr"/>
             <a:r>
-              <a:rPr lang="fr-FR" dirty="0"/>
+              <a:rPr lang="fr-FR" sz="3600" dirty="0"/>
               <a:t>Revue de projet n°2</a:t>
             </a:r>
+            <a:br>
+              <a:rPr lang="fr-FR" sz="3600" dirty="0"/>
+            </a:br>
+            <a:r>
+              <a:rPr lang="fr-FR" sz="3600" dirty="0"/>
+              <a:t>SFL5 Serre automatique système d’acquisition.</a:t>
+            </a:r>
           </a:p>
         </p:txBody>
       </p:sp>
-      <mc:AlternateContent xmlns:mc="http://schemas.openxmlformats.org/markup-compatibility/2006">
-        <mc:Choice xmlns:am3d="http://schemas.microsoft.com/office/drawing/2017/model3d" Requires="am3d">
+      <mc:AlternateContent xmlns:mc="http://schemas.openxmlformats.org/markup-compatibility/2006" xmlns:am3d="http://schemas.microsoft.com/office/drawing/2017/model3d">
+        <mc:Choice Requires="am3d">
           <p:graphicFrame>
             <p:nvGraphicFramePr>
               <p:cNvPr id="4" name="Espace réservé du contenu 3" descr="greenhouse">
@@ -13976,7 +13991,7 @@
             </a:graphic>
           </p:graphicFrame>
         </mc:Choice>
-        <mc:Fallback>
+        <mc:Fallback xmlns="">
           <p:pic>
             <p:nvPicPr>
               <p:cNvPr id="4" name="Espace réservé du contenu 3" descr="greenhouse">
@@ -13992,7 +14007,7 @@
               <p:nvPr/>
             </p:nvPicPr>
             <p:blipFill>
-              <a:blip r:embed="rId4"/>
+              <a:blip r:embed="rId5"/>
               <a:stretch>
                 <a:fillRect/>
               </a:stretch>
@@ -14013,6 +14028,210 @@
     <p:extLst>
       <p:ext uri="{BB962C8B-B14F-4D97-AF65-F5344CB8AC3E}">
         <p14:creationId xmlns:p14="http://schemas.microsoft.com/office/powerpoint/2010/main" val="984221489"/>
+      </p:ext>
+    </p:extLst>
+  </p:cSld>
+  <p:clrMapOvr>
+    <a:masterClrMapping/>
+  </p:clrMapOvr>
+</p:sld>
+</file>
+
+<file path=ppt/slides/slide2.xml><?xml version="1.0" encoding="utf-8"?>
+<p:sld xmlns:a="http://schemas.openxmlformats.org/drawingml/2006/main" xmlns:r="http://schemas.openxmlformats.org/officeDocument/2006/relationships" xmlns:p="http://schemas.openxmlformats.org/presentationml/2006/main">
+  <p:cSld>
+    <p:spTree>
+      <p:nvGrpSpPr>
+        <p:cNvPr id="1" name=""/>
+        <p:cNvGrpSpPr/>
+        <p:nvPr/>
+      </p:nvGrpSpPr>
+      <p:grpSpPr>
+        <a:xfrm>
+          <a:off x="0" y="0"/>
+          <a:ext cx="0" cy="0"/>
+          <a:chOff x="0" y="0"/>
+          <a:chExt cx="0" cy="0"/>
+        </a:xfrm>
+      </p:grpSpPr>
+      <p:sp>
+        <p:nvSpPr>
+          <p:cNvPr id="2" name="Titre 1">
+            <a:extLst>
+              <a:ext uri="{FF2B5EF4-FFF2-40B4-BE49-F238E27FC236}">
+                <a16:creationId xmlns:a16="http://schemas.microsoft.com/office/drawing/2014/main" id="{56D128A9-E0F4-4CB5-A111-E00446520B90}"/>
+              </a:ext>
+            </a:extLst>
+          </p:cNvPr>
+          <p:cNvSpPr>
+            <a:spLocks noGrp="1"/>
+          </p:cNvSpPr>
+          <p:nvPr>
+            <p:ph type="title"/>
+          </p:nvPr>
+        </p:nvSpPr>
+        <p:spPr/>
+        <p:txBody>
+          <a:bodyPr/>
+          <a:lstStyle/>
+          <a:p>
+            <a:r>
+              <a:rPr lang="fr-FR" dirty="0"/>
+              <a:t>Sommaire</a:t>
+            </a:r>
+          </a:p>
+        </p:txBody>
+      </p:sp>
+      <p:sp>
+        <p:nvSpPr>
+          <p:cNvPr id="3" name="Espace réservé du contenu 2">
+            <a:extLst>
+              <a:ext uri="{FF2B5EF4-FFF2-40B4-BE49-F238E27FC236}">
+                <a16:creationId xmlns:a16="http://schemas.microsoft.com/office/drawing/2014/main" id="{D519D414-2BF4-420A-8169-127486ABFC79}"/>
+              </a:ext>
+            </a:extLst>
+          </p:cNvPr>
+          <p:cNvSpPr>
+            <a:spLocks noGrp="1"/>
+          </p:cNvSpPr>
+          <p:nvPr>
+            <p:ph idx="1"/>
+          </p:nvPr>
+        </p:nvSpPr>
+        <p:spPr>
+          <a:xfrm>
+            <a:off x="942304" y="2603500"/>
+            <a:ext cx="8761412" cy="3416300"/>
+          </a:xfrm>
+        </p:spPr>
+        <p:txBody>
+          <a:bodyPr/>
+          <a:lstStyle/>
+          <a:p>
+            <a:r>
+              <a:rPr lang="fr-FR" dirty="0"/>
+              <a:t>Présentation globale du projet.</a:t>
+            </a:r>
+          </a:p>
+          <a:p>
+            <a:r>
+              <a:rPr lang="fr-FR" dirty="0"/>
+              <a:t>Mes responsabilités dans le projet.</a:t>
+            </a:r>
+          </a:p>
+          <a:p>
+            <a:r>
+              <a:rPr lang="fr-FR" dirty="0"/>
+              <a:t>Présentation matériel et logiciel.</a:t>
+            </a:r>
+          </a:p>
+          <a:p>
+            <a:r>
+              <a:rPr lang="fr-FR" dirty="0"/>
+              <a:t>Explication détaillé de diagrammes de Cas d’utilisation, Exigence, Séquence, Réseau…</a:t>
+            </a:r>
+          </a:p>
+          <a:p>
+            <a:r>
+              <a:rPr lang="fr-FR" dirty="0"/>
+              <a:t>Mes interactions avec mon équipe.</a:t>
+            </a:r>
+          </a:p>
+          <a:p>
+            <a:r>
+              <a:rPr lang="fr-FR" dirty="0"/>
+              <a:t>Evolution du projet et conclusion</a:t>
+            </a:r>
+          </a:p>
+        </p:txBody>
+      </p:sp>
+    </p:spTree>
+    <p:extLst>
+      <p:ext uri="{BB962C8B-B14F-4D97-AF65-F5344CB8AC3E}">
+        <p14:creationId xmlns:p14="http://schemas.microsoft.com/office/powerpoint/2010/main" val="2401122741"/>
+      </p:ext>
+    </p:extLst>
+  </p:cSld>
+  <p:clrMapOvr>
+    <a:masterClrMapping/>
+  </p:clrMapOvr>
+</p:sld>
+</file>
+
+<file path=ppt/slides/slide3.xml><?xml version="1.0" encoding="utf-8"?>
+<p:sld xmlns:a="http://schemas.openxmlformats.org/drawingml/2006/main" xmlns:r="http://schemas.openxmlformats.org/officeDocument/2006/relationships" xmlns:p="http://schemas.openxmlformats.org/presentationml/2006/main">
+  <p:cSld>
+    <p:spTree>
+      <p:nvGrpSpPr>
+        <p:cNvPr id="1" name=""/>
+        <p:cNvGrpSpPr/>
+        <p:nvPr/>
+      </p:nvGrpSpPr>
+      <p:grpSpPr>
+        <a:xfrm>
+          <a:off x="0" y="0"/>
+          <a:ext cx="0" cy="0"/>
+          <a:chOff x="0" y="0"/>
+          <a:chExt cx="0" cy="0"/>
+        </a:xfrm>
+      </p:grpSpPr>
+      <p:sp>
+        <p:nvSpPr>
+          <p:cNvPr id="2" name="Titre 1">
+            <a:extLst>
+              <a:ext uri="{FF2B5EF4-FFF2-40B4-BE49-F238E27FC236}">
+                <a16:creationId xmlns:a16="http://schemas.microsoft.com/office/drawing/2014/main" id="{A8DE69A3-F853-46EE-A232-EBCBC0934C0B}"/>
+              </a:ext>
+            </a:extLst>
+          </p:cNvPr>
+          <p:cNvSpPr>
+            <a:spLocks noGrp="1"/>
+          </p:cNvSpPr>
+          <p:nvPr>
+            <p:ph type="title"/>
+          </p:nvPr>
+        </p:nvSpPr>
+        <p:spPr/>
+        <p:txBody>
+          <a:bodyPr/>
+          <a:lstStyle/>
+          <a:p>
+            <a:r>
+              <a:rPr lang="fr-FR" dirty="0"/>
+              <a:t>Présentation du projet</a:t>
+            </a:r>
+          </a:p>
+        </p:txBody>
+      </p:sp>
+      <p:sp>
+        <p:nvSpPr>
+          <p:cNvPr id="5" name="Espace réservé du contenu 4">
+            <a:extLst>
+              <a:ext uri="{FF2B5EF4-FFF2-40B4-BE49-F238E27FC236}">
+                <a16:creationId xmlns:a16="http://schemas.microsoft.com/office/drawing/2014/main" id="{9D6ABC0F-CD53-45DA-9FEF-894867C1E46C}"/>
+              </a:ext>
+            </a:extLst>
+          </p:cNvPr>
+          <p:cNvSpPr>
+            <a:spLocks noGrp="1"/>
+          </p:cNvSpPr>
+          <p:nvPr>
+            <p:ph idx="1"/>
+          </p:nvPr>
+        </p:nvSpPr>
+        <p:spPr/>
+        <p:txBody>
+          <a:bodyPr/>
+          <a:lstStyle/>
+          <a:p>
+            <a:endParaRPr lang="fr-FR"/>
+          </a:p>
+        </p:txBody>
+      </p:sp>
+    </p:spTree>
+    <p:extLst>
+      <p:ext uri="{BB962C8B-B14F-4D97-AF65-F5344CB8AC3E}">
+        <p14:creationId xmlns:p14="http://schemas.microsoft.com/office/powerpoint/2010/main" val="3544262094"/>
       </p:ext>
     </p:extLst>
   </p:cSld>

--- a/Partie personnelle Killian LABATTUT/Revue de projet n°2.pptx
+++ b/Partie personnelle Killian LABATTUT/Revue de projet n°2.pptx
@@ -8,6 +8,11 @@
     <p:sldId id="256" r:id="rId2"/>
     <p:sldId id="257" r:id="rId3"/>
     <p:sldId id="258" r:id="rId4"/>
+    <p:sldId id="259" r:id="rId5"/>
+    <p:sldId id="260" r:id="rId6"/>
+    <p:sldId id="261" r:id="rId7"/>
+    <p:sldId id="262" r:id="rId8"/>
+    <p:sldId id="263" r:id="rId9"/>
   </p:sldIdLst>
   <p:sldSz cx="12192000" cy="6858000"/>
   <p:notesSz cx="6858000" cy="9144000"/>
@@ -760,7 +765,7 @@
           <a:p>
             <a:fld id="{9AB3A824-1A51-4B26-AD58-A6D8E14F6C04}" type="datetimeFigureOut">
               <a:rPr lang="en-US" smtClean="0"/>
-              <a:t>2/5/2019</a:t>
+              <a:t>2/6/2019</a:t>
             </a:fld>
             <a:endParaRPr lang="en-US" dirty="0"/>
           </a:p>
@@ -1885,7 +1890,7 @@
           <a:p>
             <a:fld id="{3CBC1C18-307B-4F68-A007-B5B542270E8D}" type="datetimeFigureOut">
               <a:rPr lang="en-US" smtClean="0"/>
-              <a:t>2/5/2019</a:t>
+              <a:t>2/6/2019</a:t>
             </a:fld>
             <a:endParaRPr lang="en-US" dirty="0"/>
           </a:p>
@@ -2903,7 +2908,7 @@
           <a:p>
             <a:fld id="{3CBC1C18-307B-4F68-A007-B5B542270E8D}" type="datetimeFigureOut">
               <a:rPr lang="en-US" smtClean="0"/>
-              <a:t>2/5/2019</a:t>
+              <a:t>2/6/2019</a:t>
             </a:fld>
             <a:endParaRPr lang="en-US" dirty="0"/>
           </a:p>
@@ -4080,7 +4085,7 @@
           <a:p>
             <a:fld id="{3CBC1C18-307B-4F68-A007-B5B542270E8D}" type="datetimeFigureOut">
               <a:rPr lang="en-US" smtClean="0"/>
-              <a:t>2/5/2019</a:t>
+              <a:t>2/6/2019</a:t>
             </a:fld>
             <a:endParaRPr lang="en-US" dirty="0"/>
           </a:p>
@@ -5148,7 +5153,7 @@
           <a:p>
             <a:fld id="{3CBC1C18-307B-4F68-A007-B5B542270E8D}" type="datetimeFigureOut">
               <a:rPr lang="en-US" smtClean="0"/>
-              <a:t>2/5/2019</a:t>
+              <a:t>2/6/2019</a:t>
             </a:fld>
             <a:endParaRPr lang="en-US" dirty="0"/>
           </a:p>
@@ -5801,7 +5806,7 @@
           <a:p>
             <a:fld id="{3CBC1C18-307B-4F68-A007-B5B542270E8D}" type="datetimeFigureOut">
               <a:rPr lang="en-US" smtClean="0"/>
-              <a:t>2/5/2019</a:t>
+              <a:t>2/6/2019</a:t>
             </a:fld>
             <a:endParaRPr lang="en-US" dirty="0"/>
           </a:p>
@@ -6655,7 +6660,7 @@
           <a:p>
             <a:fld id="{3CBC1C18-307B-4F68-A007-B5B542270E8D}" type="datetimeFigureOut">
               <a:rPr lang="en-US" smtClean="0"/>
-              <a:t>2/5/2019</a:t>
+              <a:t>2/6/2019</a:t>
             </a:fld>
             <a:endParaRPr lang="en-US" dirty="0"/>
           </a:p>
@@ -6837,7 +6842,7 @@
           <a:p>
             <a:fld id="{D857E33E-8B18-4087-B112-809917729534}" type="datetimeFigureOut">
               <a:rPr lang="en-US" smtClean="0"/>
-              <a:t>2/5/2019</a:t>
+              <a:t>2/6/2019</a:t>
             </a:fld>
             <a:endParaRPr lang="en-US" dirty="0"/>
           </a:p>
@@ -7840,7 +7845,7 @@
           <a:p>
             <a:fld id="{D3FFE419-2371-464F-8239-3959401C3561}" type="datetimeFigureOut">
               <a:rPr lang="en-US" smtClean="0"/>
-              <a:t>2/5/2019</a:t>
+              <a:t>2/6/2019</a:t>
             </a:fld>
             <a:endParaRPr lang="en-US" dirty="0"/>
           </a:p>
@@ -8051,7 +8056,7 @@
           <a:p>
             <a:fld id="{97D162C4-EDD9-4389-A98B-B87ECEA2A816}" type="datetimeFigureOut">
               <a:rPr lang="en-US" smtClean="0"/>
-              <a:t>2/5/2019</a:t>
+              <a:t>2/6/2019</a:t>
             </a:fld>
             <a:endParaRPr lang="en-US" dirty="0"/>
           </a:p>
@@ -9118,7 +9123,7 @@
           <a:p>
             <a:fld id="{3E5059C3-6A89-4494-99FF-5A4D6FFD50EB}" type="datetimeFigureOut">
               <a:rPr lang="en-US" smtClean="0"/>
-              <a:t>2/5/2019</a:t>
+              <a:t>2/6/2019</a:t>
             </a:fld>
             <a:endParaRPr lang="en-US" dirty="0"/>
           </a:p>
@@ -9395,7 +9400,7 @@
           <a:p>
             <a:fld id="{CA954B2F-12DE-47F5-8894-472B206D2E1E}" type="datetimeFigureOut">
               <a:rPr lang="en-US" smtClean="0"/>
-              <a:t>2/5/2019</a:t>
+              <a:t>2/6/2019</a:t>
             </a:fld>
             <a:endParaRPr lang="en-US" dirty="0"/>
           </a:p>
@@ -9782,7 +9787,7 @@
           <a:p>
             <a:fld id="{3F30E46F-7819-4ACF-B48B-48222C2ACC88}" type="datetimeFigureOut">
               <a:rPr lang="en-US" smtClean="0"/>
-              <a:t>2/5/2019</a:t>
+              <a:t>2/6/2019</a:t>
             </a:fld>
             <a:endParaRPr lang="en-US" dirty="0"/>
           </a:p>
@@ -9905,7 +9910,7 @@
           <a:p>
             <a:fld id="{1FAF3416-4057-4DAA-829D-4CA07428D088}" type="datetimeFigureOut">
               <a:rPr lang="en-US" smtClean="0"/>
-              <a:t>2/5/2019</a:t>
+              <a:t>2/6/2019</a:t>
             </a:fld>
             <a:endParaRPr lang="en-US" dirty="0"/>
           </a:p>
@@ -10005,7 +10010,7 @@
           <a:p>
             <a:fld id="{921D9284-D300-4297-87F7-E791DCC15DB1}" type="datetimeFigureOut">
               <a:rPr lang="en-US" smtClean="0"/>
-              <a:t>2/5/2019</a:t>
+              <a:t>2/6/2019</a:t>
             </a:fld>
             <a:endParaRPr lang="en-US" dirty="0"/>
           </a:p>
@@ -11119,7 +11124,7 @@
           <a:p>
             <a:fld id="{37D525BB-DA17-4BA0-B3C8-3AC3ABC827E6}" type="datetimeFigureOut">
               <a:rPr lang="en-US" smtClean="0"/>
-              <a:t>2/5/2019</a:t>
+              <a:t>2/6/2019</a:t>
             </a:fld>
             <a:endParaRPr lang="en-US" dirty="0"/>
           </a:p>
@@ -12257,7 +12262,7 @@
           <a:p>
             <a:fld id="{B16C4C9A-3960-41CF-A4E9-2A8FB932454B}" type="datetimeFigureOut">
               <a:rPr lang="en-US" smtClean="0"/>
-              <a:t>2/5/2019</a:t>
+              <a:t>2/6/2019</a:t>
             </a:fld>
             <a:endParaRPr lang="en-US" dirty="0"/>
           </a:p>
@@ -13290,7 +13295,7 @@
           <a:p>
             <a:fld id="{3CBC1C18-307B-4F68-A007-B5B542270E8D}" type="datetimeFigureOut">
               <a:rPr lang="en-US" smtClean="0"/>
-              <a:t>2/5/2019</a:t>
+              <a:t>2/6/2019</a:t>
             </a:fld>
             <a:endParaRPr lang="en-US" dirty="0"/>
           </a:p>
@@ -14140,7 +14145,7 @@
           <a:p>
             <a:r>
               <a:rPr lang="fr-FR" dirty="0"/>
-              <a:t>Evolution du projet et conclusion</a:t>
+              <a:t>Evolution du projet et conclusion.</a:t>
             </a:r>
           </a:p>
         </p:txBody>
@@ -14203,12 +14208,221 @@
           </a:p>
         </p:txBody>
       </p:sp>
+      <p:pic>
+        <p:nvPicPr>
+          <p:cNvPr id="21" name="Espace réservé du contenu 20">
+            <a:extLst>
+              <a:ext uri="{FF2B5EF4-FFF2-40B4-BE49-F238E27FC236}">
+                <a16:creationId xmlns:a16="http://schemas.microsoft.com/office/drawing/2014/main" id="{B2EB62B6-DE7A-4E0F-9337-94F9A8AE0E6A}"/>
+              </a:ext>
+            </a:extLst>
+          </p:cNvPr>
+          <p:cNvPicPr>
+            <a:picLocks noGrp="1" noChangeAspect="1"/>
+          </p:cNvPicPr>
+          <p:nvPr>
+            <p:ph idx="1"/>
+          </p:nvPr>
+        </p:nvPicPr>
+        <p:blipFill>
+          <a:blip r:embed="rId2"/>
+          <a:stretch>
+            <a:fillRect/>
+          </a:stretch>
+        </p:blipFill>
+        <p:spPr>
+          <a:xfrm>
+            <a:off x="695325" y="2349840"/>
+            <a:ext cx="10909744" cy="4508159"/>
+          </a:xfrm>
+        </p:spPr>
+      </p:pic>
+      <p:pic>
+        <p:nvPicPr>
+          <p:cNvPr id="23" name="Image 22">
+            <a:extLst>
+              <a:ext uri="{FF2B5EF4-FFF2-40B4-BE49-F238E27FC236}">
+                <a16:creationId xmlns:a16="http://schemas.microsoft.com/office/drawing/2014/main" id="{B90600BF-2D97-4120-9BA9-21E1DBB460A6}"/>
+              </a:ext>
+            </a:extLst>
+          </p:cNvPr>
+          <p:cNvPicPr>
+            <a:picLocks noChangeAspect="1"/>
+          </p:cNvPicPr>
+          <p:nvPr/>
+        </p:nvPicPr>
+        <p:blipFill>
+          <a:blip r:embed="rId3"/>
+          <a:stretch>
+            <a:fillRect/>
+          </a:stretch>
+        </p:blipFill>
+        <p:spPr>
+          <a:xfrm>
+            <a:off x="695325" y="2349840"/>
+            <a:ext cx="10909744" cy="4508159"/>
+          </a:xfrm>
+          <a:prstGeom prst="rect">
+            <a:avLst/>
+          </a:prstGeom>
+        </p:spPr>
+      </p:pic>
+    </p:spTree>
+    <p:extLst>
+      <p:ext uri="{BB962C8B-B14F-4D97-AF65-F5344CB8AC3E}">
+        <p14:creationId xmlns:p14="http://schemas.microsoft.com/office/powerpoint/2010/main" val="3544262094"/>
+      </p:ext>
+    </p:extLst>
+  </p:cSld>
+  <p:clrMapOvr>
+    <a:masterClrMapping/>
+  </p:clrMapOvr>
+  <p:timing>
+    <p:tnLst>
+      <p:par>
+        <p:cTn id="1" dur="indefinite" restart="never" nodeType="tmRoot">
+          <p:childTnLst>
+            <p:seq concurrent="1" nextAc="seek">
+              <p:cTn id="2" dur="indefinite" nodeType="mainSeq">
+                <p:childTnLst>
+                  <p:par>
+                    <p:cTn id="3" fill="hold">
+                      <p:stCondLst>
+                        <p:cond delay="indefinite"/>
+                      </p:stCondLst>
+                      <p:childTnLst>
+                        <p:par>
+                          <p:cTn id="4" fill="hold">
+                            <p:stCondLst>
+                              <p:cond delay="0"/>
+                            </p:stCondLst>
+                            <p:childTnLst>
+                              <p:par>
+                                <p:cTn id="5" presetID="10" presetClass="entr" presetSubtype="0" fill="hold" nodeType="clickEffect">
+                                  <p:stCondLst>
+                                    <p:cond delay="0"/>
+                                  </p:stCondLst>
+                                  <p:childTnLst>
+                                    <p:set>
+                                      <p:cBhvr>
+                                        <p:cTn id="6" dur="1" fill="hold">
+                                          <p:stCondLst>
+                                            <p:cond delay="0"/>
+                                          </p:stCondLst>
+                                        </p:cTn>
+                                        <p:tgtEl>
+                                          <p:spTgt spid="23"/>
+                                        </p:tgtEl>
+                                        <p:attrNameLst>
+                                          <p:attrName>style.visibility</p:attrName>
+                                        </p:attrNameLst>
+                                      </p:cBhvr>
+                                      <p:to>
+                                        <p:strVal val="visible"/>
+                                      </p:to>
+                                    </p:set>
+                                    <p:animEffect transition="in" filter="fade">
+                                      <p:cBhvr>
+                                        <p:cTn id="7" dur="500"/>
+                                        <p:tgtEl>
+                                          <p:spTgt spid="23"/>
+                                        </p:tgtEl>
+                                      </p:cBhvr>
+                                    </p:animEffect>
+                                  </p:childTnLst>
+                                </p:cTn>
+                              </p:par>
+                            </p:childTnLst>
+                          </p:cTn>
+                        </p:par>
+                      </p:childTnLst>
+                    </p:cTn>
+                  </p:par>
+                </p:childTnLst>
+              </p:cTn>
+              <p:prevCondLst>
+                <p:cond evt="onPrev" delay="0">
+                  <p:tgtEl>
+                    <p:sldTgt/>
+                  </p:tgtEl>
+                </p:cond>
+              </p:prevCondLst>
+              <p:nextCondLst>
+                <p:cond evt="onNext" delay="0">
+                  <p:tgtEl>
+                    <p:sldTgt/>
+                  </p:tgtEl>
+                </p:cond>
+              </p:nextCondLst>
+            </p:seq>
+          </p:childTnLst>
+        </p:cTn>
+      </p:par>
+    </p:tnLst>
+  </p:timing>
+</p:sld>
+</file>
+
+<file path=ppt/slides/slide4.xml><?xml version="1.0" encoding="utf-8"?>
+<p:sld xmlns:a="http://schemas.openxmlformats.org/drawingml/2006/main" xmlns:r="http://schemas.openxmlformats.org/officeDocument/2006/relationships" xmlns:p="http://schemas.openxmlformats.org/presentationml/2006/main">
+  <p:cSld>
+    <p:spTree>
+      <p:nvGrpSpPr>
+        <p:cNvPr id="1" name=""/>
+        <p:cNvGrpSpPr/>
+        <p:nvPr/>
+      </p:nvGrpSpPr>
+      <p:grpSpPr>
+        <a:xfrm>
+          <a:off x="0" y="0"/>
+          <a:ext cx="0" cy="0"/>
+          <a:chOff x="0" y="0"/>
+          <a:chExt cx="0" cy="0"/>
+        </a:xfrm>
+      </p:grpSpPr>
       <p:sp>
         <p:nvSpPr>
-          <p:cNvPr id="5" name="Espace réservé du contenu 4">
+          <p:cNvPr id="2" name="Titre 1">
             <a:extLst>
               <a:ext uri="{FF2B5EF4-FFF2-40B4-BE49-F238E27FC236}">
-                <a16:creationId xmlns:a16="http://schemas.microsoft.com/office/drawing/2014/main" id="{9D6ABC0F-CD53-45DA-9FEF-894867C1E46C}"/>
+                <a16:creationId xmlns:a16="http://schemas.microsoft.com/office/drawing/2014/main" id="{80DF8DA1-BAF8-49D3-96F3-CD6DE038BE06}"/>
+              </a:ext>
+            </a:extLst>
+          </p:cNvPr>
+          <p:cNvSpPr>
+            <a:spLocks noGrp="1"/>
+          </p:cNvSpPr>
+          <p:nvPr>
+            <p:ph type="title"/>
+          </p:nvPr>
+        </p:nvSpPr>
+        <p:spPr>
+          <a:xfrm>
+            <a:off x="1154954" y="1078443"/>
+            <a:ext cx="8761413" cy="706964"/>
+          </a:xfrm>
+        </p:spPr>
+        <p:txBody>
+          <a:bodyPr/>
+          <a:lstStyle/>
+          <a:p>
+            <a:r>
+              <a:rPr lang="fr-FR" dirty="0"/>
+              <a:t>Mes responsabilités dans le projet</a:t>
+            </a:r>
+            <a:br>
+              <a:rPr lang="fr-FR" dirty="0"/>
+            </a:br>
+            <a:endParaRPr lang="fr-FR" dirty="0"/>
+          </a:p>
+        </p:txBody>
+      </p:sp>
+      <p:sp>
+        <p:nvSpPr>
+          <p:cNvPr id="7" name="Espace réservé du contenu 6">
+            <a:extLst>
+              <a:ext uri="{FF2B5EF4-FFF2-40B4-BE49-F238E27FC236}">
+                <a16:creationId xmlns:a16="http://schemas.microsoft.com/office/drawing/2014/main" id="{DDE80DFD-0080-4967-B8CC-C05C8FCDA010}"/>
               </a:ext>
             </a:extLst>
           </p:cNvPr>
@@ -14228,10 +14442,1226 @@
           </a:p>
         </p:txBody>
       </p:sp>
+      <p:pic>
+        <p:nvPicPr>
+          <p:cNvPr id="8" name="Image 7">
+            <a:extLst>
+              <a:ext uri="{FF2B5EF4-FFF2-40B4-BE49-F238E27FC236}">
+                <a16:creationId xmlns:a16="http://schemas.microsoft.com/office/drawing/2014/main" id="{3099199C-8DA9-4998-9980-5EFFC541AD37}"/>
+              </a:ext>
+            </a:extLst>
+          </p:cNvPr>
+          <p:cNvPicPr>
+            <a:picLocks noChangeAspect="1"/>
+          </p:cNvPicPr>
+          <p:nvPr/>
+        </p:nvPicPr>
+        <p:blipFill>
+          <a:blip r:embed="rId2"/>
+          <a:stretch>
+            <a:fillRect/>
+          </a:stretch>
+        </p:blipFill>
+        <p:spPr>
+          <a:xfrm>
+            <a:off x="695325" y="2349840"/>
+            <a:ext cx="10909744" cy="4508159"/>
+          </a:xfrm>
+          <a:prstGeom prst="rect">
+            <a:avLst/>
+          </a:prstGeom>
+        </p:spPr>
+      </p:pic>
     </p:spTree>
     <p:extLst>
       <p:ext uri="{BB962C8B-B14F-4D97-AF65-F5344CB8AC3E}">
-        <p14:creationId xmlns:p14="http://schemas.microsoft.com/office/powerpoint/2010/main" val="3544262094"/>
+        <p14:creationId xmlns:p14="http://schemas.microsoft.com/office/powerpoint/2010/main" val="2553379149"/>
+      </p:ext>
+    </p:extLst>
+  </p:cSld>
+  <p:clrMapOvr>
+    <a:masterClrMapping/>
+  </p:clrMapOvr>
+</p:sld>
+</file>
+
+<file path=ppt/slides/slide5.xml><?xml version="1.0" encoding="utf-8"?>
+<p:sld xmlns:a="http://schemas.openxmlformats.org/drawingml/2006/main" xmlns:r="http://schemas.openxmlformats.org/officeDocument/2006/relationships" xmlns:p="http://schemas.openxmlformats.org/presentationml/2006/main">
+  <p:cSld>
+    <p:spTree>
+      <p:nvGrpSpPr>
+        <p:cNvPr id="1" name=""/>
+        <p:cNvGrpSpPr/>
+        <p:nvPr/>
+      </p:nvGrpSpPr>
+      <p:grpSpPr>
+        <a:xfrm>
+          <a:off x="0" y="0"/>
+          <a:ext cx="0" cy="0"/>
+          <a:chOff x="0" y="0"/>
+          <a:chExt cx="0" cy="0"/>
+        </a:xfrm>
+      </p:grpSpPr>
+      <p:sp>
+        <p:nvSpPr>
+          <p:cNvPr id="2" name="Titre 1">
+            <a:extLst>
+              <a:ext uri="{FF2B5EF4-FFF2-40B4-BE49-F238E27FC236}">
+                <a16:creationId xmlns:a16="http://schemas.microsoft.com/office/drawing/2014/main" id="{83DF2BCF-759C-4556-8B25-6B9DEE0CF52E}"/>
+              </a:ext>
+            </a:extLst>
+          </p:cNvPr>
+          <p:cNvSpPr>
+            <a:spLocks noGrp="1"/>
+          </p:cNvSpPr>
+          <p:nvPr>
+            <p:ph type="title"/>
+          </p:nvPr>
+        </p:nvSpPr>
+        <p:spPr>
+          <a:xfrm>
+            <a:off x="1154954" y="1135593"/>
+            <a:ext cx="8761413" cy="706964"/>
+          </a:xfrm>
+        </p:spPr>
+        <p:txBody>
+          <a:bodyPr/>
+          <a:lstStyle/>
+          <a:p>
+            <a:r>
+              <a:rPr lang="fr-FR" dirty="0"/>
+              <a:t>Présentation matériel et logiciel.</a:t>
+            </a:r>
+            <a:br>
+              <a:rPr lang="fr-FR" dirty="0"/>
+            </a:br>
+            <a:endParaRPr lang="fr-FR" dirty="0"/>
+          </a:p>
+        </p:txBody>
+      </p:sp>
+      <p:pic>
+        <p:nvPicPr>
+          <p:cNvPr id="5" name="Espace réservé du contenu 4">
+            <a:extLst>
+              <a:ext uri="{FF2B5EF4-FFF2-40B4-BE49-F238E27FC236}">
+                <a16:creationId xmlns:a16="http://schemas.microsoft.com/office/drawing/2014/main" id="{228A4BE6-9BEC-4E9E-BEED-570AF5C4FBB0}"/>
+              </a:ext>
+            </a:extLst>
+          </p:cNvPr>
+          <p:cNvPicPr>
+            <a:picLocks noGrp="1" noChangeAspect="1"/>
+          </p:cNvPicPr>
+          <p:nvPr>
+            <p:ph idx="1"/>
+          </p:nvPr>
+        </p:nvPicPr>
+        <p:blipFill>
+          <a:blip r:embed="rId2"/>
+          <a:stretch>
+            <a:fillRect/>
+          </a:stretch>
+        </p:blipFill>
+        <p:spPr>
+          <a:xfrm>
+            <a:off x="3478397" y="2725548"/>
+            <a:ext cx="2048161" cy="2067213"/>
+          </a:xfrm>
+          <a:ln w="57150">
+            <a:solidFill>
+              <a:schemeClr val="tx1"/>
+            </a:solidFill>
+          </a:ln>
+        </p:spPr>
+      </p:pic>
+      <p:sp>
+        <p:nvSpPr>
+          <p:cNvPr id="6" name="ZoneTexte 5">
+            <a:extLst>
+              <a:ext uri="{FF2B5EF4-FFF2-40B4-BE49-F238E27FC236}">
+                <a16:creationId xmlns:a16="http://schemas.microsoft.com/office/drawing/2014/main" id="{64FCFE7C-B3C3-425C-A9A4-9AA030504769}"/>
+              </a:ext>
+            </a:extLst>
+          </p:cNvPr>
+          <p:cNvSpPr txBox="1"/>
+          <p:nvPr/>
+        </p:nvSpPr>
+        <p:spPr>
+          <a:xfrm>
+            <a:off x="2887290" y="4982236"/>
+            <a:ext cx="3507391" cy="369332"/>
+          </a:xfrm>
+          <a:prstGeom prst="rect">
+            <a:avLst/>
+          </a:prstGeom>
+          <a:noFill/>
+        </p:spPr>
+        <p:txBody>
+          <a:bodyPr wrap="square" rtlCol="0">
+            <a:spAutoFit/>
+          </a:bodyPr>
+          <a:lstStyle/>
+          <a:p>
+            <a:r>
+              <a:rPr lang="fr-FR" dirty="0"/>
+              <a:t>Anémomètre et Girouette</a:t>
+            </a:r>
+          </a:p>
+        </p:txBody>
+      </p:sp>
+      <p:pic>
+        <p:nvPicPr>
+          <p:cNvPr id="10" name="Image 9">
+            <a:extLst>
+              <a:ext uri="{FF2B5EF4-FFF2-40B4-BE49-F238E27FC236}">
+                <a16:creationId xmlns:a16="http://schemas.microsoft.com/office/drawing/2014/main" id="{094F52C3-3D03-4974-9A98-214DAAB761B6}"/>
+              </a:ext>
+            </a:extLst>
+          </p:cNvPr>
+          <p:cNvPicPr>
+            <a:picLocks noChangeAspect="1"/>
+          </p:cNvPicPr>
+          <p:nvPr/>
+        </p:nvPicPr>
+        <p:blipFill>
+          <a:blip r:embed="rId3"/>
+          <a:stretch>
+            <a:fillRect/>
+          </a:stretch>
+        </p:blipFill>
+        <p:spPr>
+          <a:xfrm>
+            <a:off x="8207836" y="2774253"/>
+            <a:ext cx="3218687" cy="2067213"/>
+          </a:xfrm>
+          <a:prstGeom prst="rect">
+            <a:avLst/>
+          </a:prstGeom>
+          <a:ln w="57150">
+            <a:solidFill>
+              <a:schemeClr val="tx1"/>
+            </a:solidFill>
+          </a:ln>
+        </p:spPr>
+      </p:pic>
+      <p:sp>
+        <p:nvSpPr>
+          <p:cNvPr id="11" name="ZoneTexte 10">
+            <a:extLst>
+              <a:ext uri="{FF2B5EF4-FFF2-40B4-BE49-F238E27FC236}">
+                <a16:creationId xmlns:a16="http://schemas.microsoft.com/office/drawing/2014/main" id="{9830013C-6168-4A9D-B5BE-4C1043B1681D}"/>
+              </a:ext>
+            </a:extLst>
+          </p:cNvPr>
+          <p:cNvSpPr txBox="1"/>
+          <p:nvPr/>
+        </p:nvSpPr>
+        <p:spPr>
+          <a:xfrm>
+            <a:off x="8797590" y="5015444"/>
+            <a:ext cx="2327881" cy="369332"/>
+          </a:xfrm>
+          <a:prstGeom prst="rect">
+            <a:avLst/>
+          </a:prstGeom>
+          <a:noFill/>
+        </p:spPr>
+        <p:txBody>
+          <a:bodyPr wrap="none" rtlCol="0">
+            <a:spAutoFit/>
+          </a:bodyPr>
+          <a:lstStyle/>
+          <a:p>
+            <a:r>
+              <a:rPr lang="fr-FR" dirty="0"/>
+              <a:t>Carte Raspberry Py</a:t>
+            </a:r>
+          </a:p>
+        </p:txBody>
+      </p:sp>
+      <p:pic>
+        <p:nvPicPr>
+          <p:cNvPr id="14" name="Image 13">
+            <a:extLst>
+              <a:ext uri="{FF2B5EF4-FFF2-40B4-BE49-F238E27FC236}">
+                <a16:creationId xmlns:a16="http://schemas.microsoft.com/office/drawing/2014/main" id="{49D77517-3EFD-480B-9DC2-DB740E0492F7}"/>
+              </a:ext>
+            </a:extLst>
+          </p:cNvPr>
+          <p:cNvPicPr>
+            <a:picLocks noChangeAspect="1"/>
+          </p:cNvPicPr>
+          <p:nvPr/>
+        </p:nvPicPr>
+        <p:blipFill>
+          <a:blip r:embed="rId4"/>
+          <a:stretch>
+            <a:fillRect/>
+          </a:stretch>
+        </p:blipFill>
+        <p:spPr>
+          <a:xfrm>
+            <a:off x="5711988" y="2463495"/>
+            <a:ext cx="2838619" cy="2838619"/>
+          </a:xfrm>
+          <a:prstGeom prst="rect">
+            <a:avLst/>
+          </a:prstGeom>
+        </p:spPr>
+      </p:pic>
+      <p:pic>
+        <p:nvPicPr>
+          <p:cNvPr id="15" name="Image 14">
+            <a:extLst>
+              <a:ext uri="{FF2B5EF4-FFF2-40B4-BE49-F238E27FC236}">
+                <a16:creationId xmlns:a16="http://schemas.microsoft.com/office/drawing/2014/main" id="{2117A2D7-5C21-4088-8A59-73E8961487B6}"/>
+              </a:ext>
+            </a:extLst>
+          </p:cNvPr>
+          <p:cNvPicPr>
+            <a:picLocks noChangeAspect="1"/>
+          </p:cNvPicPr>
+          <p:nvPr/>
+        </p:nvPicPr>
+        <p:blipFill>
+          <a:blip r:embed="rId5"/>
+          <a:stretch>
+            <a:fillRect/>
+          </a:stretch>
+        </p:blipFill>
+        <p:spPr>
+          <a:xfrm>
+            <a:off x="559352" y="4333569"/>
+            <a:ext cx="2428875" cy="285750"/>
+          </a:xfrm>
+          <a:prstGeom prst="rect">
+            <a:avLst/>
+          </a:prstGeom>
+        </p:spPr>
+      </p:pic>
+      <p:pic>
+        <p:nvPicPr>
+          <p:cNvPr id="17" name="Image 16">
+            <a:extLst>
+              <a:ext uri="{FF2B5EF4-FFF2-40B4-BE49-F238E27FC236}">
+                <a16:creationId xmlns:a16="http://schemas.microsoft.com/office/drawing/2014/main" id="{6662EF0B-CE51-4D4D-AF29-5D46A536B33F}"/>
+              </a:ext>
+            </a:extLst>
+          </p:cNvPr>
+          <p:cNvPicPr>
+            <a:picLocks noChangeAspect="1"/>
+          </p:cNvPicPr>
+          <p:nvPr/>
+        </p:nvPicPr>
+        <p:blipFill>
+          <a:blip r:embed="rId6"/>
+          <a:stretch>
+            <a:fillRect/>
+          </a:stretch>
+        </p:blipFill>
+        <p:spPr>
+          <a:xfrm>
+            <a:off x="238501" y="2961003"/>
+            <a:ext cx="3070578" cy="1295400"/>
+          </a:xfrm>
+          <a:prstGeom prst="rect">
+            <a:avLst/>
+          </a:prstGeom>
+        </p:spPr>
+      </p:pic>
+      <p:pic>
+        <p:nvPicPr>
+          <p:cNvPr id="24" name="Image 23">
+            <a:extLst>
+              <a:ext uri="{FF2B5EF4-FFF2-40B4-BE49-F238E27FC236}">
+                <a16:creationId xmlns:a16="http://schemas.microsoft.com/office/drawing/2014/main" id="{D3DF84E8-2950-44E0-BBC9-7FAA5362EB8D}"/>
+              </a:ext>
+            </a:extLst>
+          </p:cNvPr>
+          <p:cNvPicPr>
+            <a:picLocks noChangeAspect="1"/>
+          </p:cNvPicPr>
+          <p:nvPr/>
+        </p:nvPicPr>
+        <p:blipFill>
+          <a:blip r:embed="rId7"/>
+          <a:stretch>
+            <a:fillRect/>
+          </a:stretch>
+        </p:blipFill>
+        <p:spPr>
+          <a:xfrm>
+            <a:off x="2007085" y="5726897"/>
+            <a:ext cx="10006682" cy="1013825"/>
+          </a:xfrm>
+          <a:prstGeom prst="rect">
+            <a:avLst/>
+          </a:prstGeom>
+        </p:spPr>
+      </p:pic>
+      <p:sp>
+        <p:nvSpPr>
+          <p:cNvPr id="22" name="ZoneTexte 21">
+            <a:extLst>
+              <a:ext uri="{FF2B5EF4-FFF2-40B4-BE49-F238E27FC236}">
+                <a16:creationId xmlns:a16="http://schemas.microsoft.com/office/drawing/2014/main" id="{A14272F7-6CFE-4582-B8EC-7A7F753C0204}"/>
+              </a:ext>
+            </a:extLst>
+          </p:cNvPr>
+          <p:cNvSpPr txBox="1"/>
+          <p:nvPr/>
+        </p:nvSpPr>
+        <p:spPr>
+          <a:xfrm>
+            <a:off x="6595623" y="4804328"/>
+            <a:ext cx="1754041" cy="584775"/>
+          </a:xfrm>
+          <a:prstGeom prst="rect">
+            <a:avLst/>
+          </a:prstGeom>
+          <a:noFill/>
+        </p:spPr>
+        <p:txBody>
+          <a:bodyPr wrap="square" rtlCol="0">
+            <a:spAutoFit/>
+          </a:bodyPr>
+          <a:lstStyle/>
+          <a:p>
+            <a:r>
+              <a:rPr lang="fr-FR" sz="1600" dirty="0"/>
+              <a:t>Editeur de script NANO</a:t>
+            </a:r>
+          </a:p>
+        </p:txBody>
+      </p:sp>
+    </p:spTree>
+    <p:extLst>
+      <p:ext uri="{BB962C8B-B14F-4D97-AF65-F5344CB8AC3E}">
+        <p14:creationId xmlns:p14="http://schemas.microsoft.com/office/powerpoint/2010/main" val="681802226"/>
+      </p:ext>
+    </p:extLst>
+  </p:cSld>
+  <p:clrMapOvr>
+    <a:masterClrMapping/>
+  </p:clrMapOvr>
+  <p:timing>
+    <p:tnLst>
+      <p:par>
+        <p:cTn id="1" dur="indefinite" restart="never" nodeType="tmRoot">
+          <p:childTnLst>
+            <p:seq concurrent="1" nextAc="seek">
+              <p:cTn id="2" dur="indefinite" nodeType="mainSeq">
+                <p:childTnLst>
+                  <p:par>
+                    <p:cTn id="3" fill="hold">
+                      <p:stCondLst>
+                        <p:cond delay="indefinite"/>
+                      </p:stCondLst>
+                      <p:childTnLst>
+                        <p:par>
+                          <p:cTn id="4" fill="hold">
+                            <p:stCondLst>
+                              <p:cond delay="0"/>
+                            </p:stCondLst>
+                            <p:childTnLst>
+                              <p:par>
+                                <p:cTn id="5" presetID="22" presetClass="entr" presetSubtype="4" fill="hold" nodeType="clickEffect">
+                                  <p:stCondLst>
+                                    <p:cond delay="0"/>
+                                  </p:stCondLst>
+                                  <p:childTnLst>
+                                    <p:set>
+                                      <p:cBhvr>
+                                        <p:cTn id="6" dur="1" fill="hold">
+                                          <p:stCondLst>
+                                            <p:cond delay="0"/>
+                                          </p:stCondLst>
+                                        </p:cTn>
+                                        <p:tgtEl>
+                                          <p:spTgt spid="17"/>
+                                        </p:tgtEl>
+                                        <p:attrNameLst>
+                                          <p:attrName>style.visibility</p:attrName>
+                                        </p:attrNameLst>
+                                      </p:cBhvr>
+                                      <p:to>
+                                        <p:strVal val="visible"/>
+                                      </p:to>
+                                    </p:set>
+                                    <p:animEffect transition="in" filter="wipe(down)">
+                                      <p:cBhvr>
+                                        <p:cTn id="7" dur="500"/>
+                                        <p:tgtEl>
+                                          <p:spTgt spid="17"/>
+                                        </p:tgtEl>
+                                      </p:cBhvr>
+                                    </p:animEffect>
+                                  </p:childTnLst>
+                                </p:cTn>
+                              </p:par>
+                              <p:par>
+                                <p:cTn id="8" presetID="22" presetClass="entr" presetSubtype="4" fill="hold" nodeType="withEffect">
+                                  <p:stCondLst>
+                                    <p:cond delay="0"/>
+                                  </p:stCondLst>
+                                  <p:childTnLst>
+                                    <p:set>
+                                      <p:cBhvr>
+                                        <p:cTn id="9" dur="1" fill="hold">
+                                          <p:stCondLst>
+                                            <p:cond delay="0"/>
+                                          </p:stCondLst>
+                                        </p:cTn>
+                                        <p:tgtEl>
+                                          <p:spTgt spid="15"/>
+                                        </p:tgtEl>
+                                        <p:attrNameLst>
+                                          <p:attrName>style.visibility</p:attrName>
+                                        </p:attrNameLst>
+                                      </p:cBhvr>
+                                      <p:to>
+                                        <p:strVal val="visible"/>
+                                      </p:to>
+                                    </p:set>
+                                    <p:animEffect transition="in" filter="wipe(down)">
+                                      <p:cBhvr>
+                                        <p:cTn id="10" dur="500"/>
+                                        <p:tgtEl>
+                                          <p:spTgt spid="15"/>
+                                        </p:tgtEl>
+                                      </p:cBhvr>
+                                    </p:animEffect>
+                                  </p:childTnLst>
+                                </p:cTn>
+                              </p:par>
+                            </p:childTnLst>
+                          </p:cTn>
+                        </p:par>
+                      </p:childTnLst>
+                    </p:cTn>
+                  </p:par>
+                  <p:par>
+                    <p:cTn id="11" fill="hold">
+                      <p:stCondLst>
+                        <p:cond delay="indefinite"/>
+                      </p:stCondLst>
+                      <p:childTnLst>
+                        <p:par>
+                          <p:cTn id="12" fill="hold">
+                            <p:stCondLst>
+                              <p:cond delay="0"/>
+                            </p:stCondLst>
+                            <p:childTnLst>
+                              <p:par>
+                                <p:cTn id="13" presetID="22" presetClass="entr" presetSubtype="4" fill="hold" nodeType="clickEffect">
+                                  <p:stCondLst>
+                                    <p:cond delay="0"/>
+                                  </p:stCondLst>
+                                  <p:childTnLst>
+                                    <p:set>
+                                      <p:cBhvr>
+                                        <p:cTn id="14" dur="1" fill="hold">
+                                          <p:stCondLst>
+                                            <p:cond delay="0"/>
+                                          </p:stCondLst>
+                                        </p:cTn>
+                                        <p:tgtEl>
+                                          <p:spTgt spid="14"/>
+                                        </p:tgtEl>
+                                        <p:attrNameLst>
+                                          <p:attrName>style.visibility</p:attrName>
+                                        </p:attrNameLst>
+                                      </p:cBhvr>
+                                      <p:to>
+                                        <p:strVal val="visible"/>
+                                      </p:to>
+                                    </p:set>
+                                    <p:animEffect transition="in" filter="wipe(down)">
+                                      <p:cBhvr>
+                                        <p:cTn id="15" dur="500"/>
+                                        <p:tgtEl>
+                                          <p:spTgt spid="14"/>
+                                        </p:tgtEl>
+                                      </p:cBhvr>
+                                    </p:animEffect>
+                                  </p:childTnLst>
+                                </p:cTn>
+                              </p:par>
+                            </p:childTnLst>
+                          </p:cTn>
+                        </p:par>
+                      </p:childTnLst>
+                    </p:cTn>
+                  </p:par>
+                  <p:par>
+                    <p:cTn id="16" fill="hold">
+                      <p:stCondLst>
+                        <p:cond delay="indefinite"/>
+                      </p:stCondLst>
+                      <p:childTnLst>
+                        <p:par>
+                          <p:cTn id="17" fill="hold">
+                            <p:stCondLst>
+                              <p:cond delay="0"/>
+                            </p:stCondLst>
+                            <p:childTnLst>
+                              <p:par>
+                                <p:cTn id="18" presetID="22" presetClass="entr" presetSubtype="4" fill="hold" grpId="0" nodeType="clickEffect">
+                                  <p:stCondLst>
+                                    <p:cond delay="0"/>
+                                  </p:stCondLst>
+                                  <p:childTnLst>
+                                    <p:set>
+                                      <p:cBhvr>
+                                        <p:cTn id="19" dur="1" fill="hold">
+                                          <p:stCondLst>
+                                            <p:cond delay="0"/>
+                                          </p:stCondLst>
+                                        </p:cTn>
+                                        <p:tgtEl>
+                                          <p:spTgt spid="22"/>
+                                        </p:tgtEl>
+                                        <p:attrNameLst>
+                                          <p:attrName>style.visibility</p:attrName>
+                                        </p:attrNameLst>
+                                      </p:cBhvr>
+                                      <p:to>
+                                        <p:strVal val="visible"/>
+                                      </p:to>
+                                    </p:set>
+                                    <p:animEffect transition="in" filter="wipe(down)">
+                                      <p:cBhvr>
+                                        <p:cTn id="20" dur="500"/>
+                                        <p:tgtEl>
+                                          <p:spTgt spid="22"/>
+                                        </p:tgtEl>
+                                      </p:cBhvr>
+                                    </p:animEffect>
+                                  </p:childTnLst>
+                                </p:cTn>
+                              </p:par>
+                            </p:childTnLst>
+                          </p:cTn>
+                        </p:par>
+                      </p:childTnLst>
+                    </p:cTn>
+                  </p:par>
+                  <p:par>
+                    <p:cTn id="21" fill="hold">
+                      <p:stCondLst>
+                        <p:cond delay="indefinite"/>
+                      </p:stCondLst>
+                      <p:childTnLst>
+                        <p:par>
+                          <p:cTn id="22" fill="hold">
+                            <p:stCondLst>
+                              <p:cond delay="0"/>
+                            </p:stCondLst>
+                            <p:childTnLst>
+                              <p:par>
+                                <p:cTn id="23" presetID="1" presetClass="entr" presetSubtype="0" fill="hold" nodeType="clickEffect">
+                                  <p:stCondLst>
+                                    <p:cond delay="0"/>
+                                  </p:stCondLst>
+                                  <p:childTnLst>
+                                    <p:set>
+                                      <p:cBhvr>
+                                        <p:cTn id="24" dur="1" fill="hold">
+                                          <p:stCondLst>
+                                            <p:cond delay="0"/>
+                                          </p:stCondLst>
+                                        </p:cTn>
+                                        <p:tgtEl>
+                                          <p:spTgt spid="24"/>
+                                        </p:tgtEl>
+                                        <p:attrNameLst>
+                                          <p:attrName>style.visibility</p:attrName>
+                                        </p:attrNameLst>
+                                      </p:cBhvr>
+                                      <p:to>
+                                        <p:strVal val="visible"/>
+                                      </p:to>
+                                    </p:set>
+                                  </p:childTnLst>
+                                </p:cTn>
+                              </p:par>
+                            </p:childTnLst>
+                          </p:cTn>
+                        </p:par>
+                      </p:childTnLst>
+                    </p:cTn>
+                  </p:par>
+                </p:childTnLst>
+              </p:cTn>
+              <p:prevCondLst>
+                <p:cond evt="onPrev" delay="0">
+                  <p:tgtEl>
+                    <p:sldTgt/>
+                  </p:tgtEl>
+                </p:cond>
+              </p:prevCondLst>
+              <p:nextCondLst>
+                <p:cond evt="onNext" delay="0">
+                  <p:tgtEl>
+                    <p:sldTgt/>
+                  </p:tgtEl>
+                </p:cond>
+              </p:nextCondLst>
+            </p:seq>
+          </p:childTnLst>
+        </p:cTn>
+      </p:par>
+    </p:tnLst>
+    <p:bldLst>
+      <p:bldP spid="22" grpId="0"/>
+    </p:bldLst>
+  </p:timing>
+</p:sld>
+</file>
+
+<file path=ppt/slides/slide6.xml><?xml version="1.0" encoding="utf-8"?>
+<p:sld xmlns:a="http://schemas.openxmlformats.org/drawingml/2006/main" xmlns:r="http://schemas.openxmlformats.org/officeDocument/2006/relationships" xmlns:p="http://schemas.openxmlformats.org/presentationml/2006/main">
+  <p:cSld>
+    <p:spTree>
+      <p:nvGrpSpPr>
+        <p:cNvPr id="1" name=""/>
+        <p:cNvGrpSpPr/>
+        <p:nvPr/>
+      </p:nvGrpSpPr>
+      <p:grpSpPr>
+        <a:xfrm>
+          <a:off x="0" y="0"/>
+          <a:ext cx="0" cy="0"/>
+          <a:chOff x="0" y="0"/>
+          <a:chExt cx="0" cy="0"/>
+        </a:xfrm>
+      </p:grpSpPr>
+      <p:sp>
+        <p:nvSpPr>
+          <p:cNvPr id="2" name="Titre 1">
+            <a:extLst>
+              <a:ext uri="{FF2B5EF4-FFF2-40B4-BE49-F238E27FC236}">
+                <a16:creationId xmlns:a16="http://schemas.microsoft.com/office/drawing/2014/main" id="{AE494BBE-758B-4898-B308-47B326160C8C}"/>
+              </a:ext>
+            </a:extLst>
+          </p:cNvPr>
+          <p:cNvSpPr>
+            <a:spLocks noGrp="1"/>
+          </p:cNvSpPr>
+          <p:nvPr>
+            <p:ph type="title"/>
+          </p:nvPr>
+        </p:nvSpPr>
+        <p:spPr>
+          <a:xfrm>
+            <a:off x="1154954" y="906993"/>
+            <a:ext cx="8761413" cy="706964"/>
+          </a:xfrm>
+        </p:spPr>
+        <p:txBody>
+          <a:bodyPr/>
+          <a:lstStyle/>
+          <a:p>
+            <a:r>
+              <a:rPr lang="fr-FR" dirty="0"/>
+              <a:t>Diagrammes</a:t>
+            </a:r>
+          </a:p>
+        </p:txBody>
+      </p:sp>
+      <p:pic>
+        <p:nvPicPr>
+          <p:cNvPr id="5" name="Espace réservé du contenu 4">
+            <a:extLst>
+              <a:ext uri="{FF2B5EF4-FFF2-40B4-BE49-F238E27FC236}">
+                <a16:creationId xmlns:a16="http://schemas.microsoft.com/office/drawing/2014/main" id="{280E5CE2-5419-45A0-B337-E59772E084C8}"/>
+              </a:ext>
+            </a:extLst>
+          </p:cNvPr>
+          <p:cNvPicPr>
+            <a:picLocks noGrp="1" noChangeAspect="1"/>
+          </p:cNvPicPr>
+          <p:nvPr>
+            <p:ph idx="1"/>
+          </p:nvPr>
+        </p:nvPicPr>
+        <p:blipFill>
+          <a:blip r:embed="rId2"/>
+          <a:stretch>
+            <a:fillRect/>
+          </a:stretch>
+        </p:blipFill>
+        <p:spPr>
+          <a:xfrm>
+            <a:off x="3801926" y="2360437"/>
+            <a:ext cx="4588147" cy="4497563"/>
+          </a:xfrm>
+        </p:spPr>
+      </p:pic>
+      <p:pic>
+        <p:nvPicPr>
+          <p:cNvPr id="6" name="Image 5">
+            <a:extLst>
+              <a:ext uri="{FF2B5EF4-FFF2-40B4-BE49-F238E27FC236}">
+                <a16:creationId xmlns:a16="http://schemas.microsoft.com/office/drawing/2014/main" id="{E52B4689-6C29-4CF1-9D0B-6C01EBAF0653}"/>
+              </a:ext>
+            </a:extLst>
+          </p:cNvPr>
+          <p:cNvPicPr>
+            <a:picLocks noChangeAspect="1"/>
+          </p:cNvPicPr>
+          <p:nvPr/>
+        </p:nvPicPr>
+        <p:blipFill>
+          <a:blip r:embed="rId3"/>
+          <a:stretch>
+            <a:fillRect/>
+          </a:stretch>
+        </p:blipFill>
+        <p:spPr>
+          <a:xfrm>
+            <a:off x="22818" y="0"/>
+            <a:ext cx="12169182" cy="6162675"/>
+          </a:xfrm>
+          <a:prstGeom prst="rect">
+            <a:avLst/>
+          </a:prstGeom>
+        </p:spPr>
+      </p:pic>
+      <p:pic>
+        <p:nvPicPr>
+          <p:cNvPr id="8" name="Image 7">
+            <a:extLst>
+              <a:ext uri="{FF2B5EF4-FFF2-40B4-BE49-F238E27FC236}">
+                <a16:creationId xmlns:a16="http://schemas.microsoft.com/office/drawing/2014/main" id="{01B38A67-1DC5-448E-BC15-CD7435ABB3F9}"/>
+              </a:ext>
+            </a:extLst>
+          </p:cNvPr>
+          <p:cNvPicPr>
+            <a:picLocks noChangeAspect="1"/>
+          </p:cNvPicPr>
+          <p:nvPr/>
+        </p:nvPicPr>
+        <p:blipFill>
+          <a:blip r:embed="rId4"/>
+          <a:stretch>
+            <a:fillRect/>
+          </a:stretch>
+        </p:blipFill>
+        <p:spPr>
+          <a:xfrm>
+            <a:off x="0" y="0"/>
+            <a:ext cx="12187128" cy="6343650"/>
+          </a:xfrm>
+          <a:prstGeom prst="rect">
+            <a:avLst/>
+          </a:prstGeom>
+        </p:spPr>
+      </p:pic>
+    </p:spTree>
+    <p:extLst>
+      <p:ext uri="{BB962C8B-B14F-4D97-AF65-F5344CB8AC3E}">
+        <p14:creationId xmlns:p14="http://schemas.microsoft.com/office/powerpoint/2010/main" val="2018394256"/>
+      </p:ext>
+    </p:extLst>
+  </p:cSld>
+  <p:clrMapOvr>
+    <a:masterClrMapping/>
+  </p:clrMapOvr>
+  <p:timing>
+    <p:tnLst>
+      <p:par>
+        <p:cTn id="1" dur="indefinite" restart="never" nodeType="tmRoot">
+          <p:childTnLst>
+            <p:seq concurrent="1" nextAc="seek">
+              <p:cTn id="2" dur="indefinite" nodeType="mainSeq">
+                <p:childTnLst>
+                  <p:par>
+                    <p:cTn id="3" fill="hold">
+                      <p:stCondLst>
+                        <p:cond delay="indefinite"/>
+                      </p:stCondLst>
+                      <p:childTnLst>
+                        <p:par>
+                          <p:cTn id="4" fill="hold">
+                            <p:stCondLst>
+                              <p:cond delay="0"/>
+                            </p:stCondLst>
+                            <p:childTnLst>
+                              <p:par>
+                                <p:cTn id="5" presetID="53" presetClass="entr" presetSubtype="16" fill="hold" nodeType="clickEffect">
+                                  <p:stCondLst>
+                                    <p:cond delay="0"/>
+                                  </p:stCondLst>
+                                  <p:childTnLst>
+                                    <p:set>
+                                      <p:cBhvr>
+                                        <p:cTn id="6" dur="1" fill="hold">
+                                          <p:stCondLst>
+                                            <p:cond delay="0"/>
+                                          </p:stCondLst>
+                                        </p:cTn>
+                                        <p:tgtEl>
+                                          <p:spTgt spid="5"/>
+                                        </p:tgtEl>
+                                        <p:attrNameLst>
+                                          <p:attrName>style.visibility</p:attrName>
+                                        </p:attrNameLst>
+                                      </p:cBhvr>
+                                      <p:to>
+                                        <p:strVal val="visible"/>
+                                      </p:to>
+                                    </p:set>
+                                    <p:anim calcmode="lin" valueType="num">
+                                      <p:cBhvr>
+                                        <p:cTn id="7" dur="500" fill="hold"/>
+                                        <p:tgtEl>
+                                          <p:spTgt spid="5"/>
+                                        </p:tgtEl>
+                                        <p:attrNameLst>
+                                          <p:attrName>ppt_w</p:attrName>
+                                        </p:attrNameLst>
+                                      </p:cBhvr>
+                                      <p:tavLst>
+                                        <p:tav tm="0">
+                                          <p:val>
+                                            <p:fltVal val="0"/>
+                                          </p:val>
+                                        </p:tav>
+                                        <p:tav tm="100000">
+                                          <p:val>
+                                            <p:strVal val="#ppt_w"/>
+                                          </p:val>
+                                        </p:tav>
+                                      </p:tavLst>
+                                    </p:anim>
+                                    <p:anim calcmode="lin" valueType="num">
+                                      <p:cBhvr>
+                                        <p:cTn id="8" dur="500" fill="hold"/>
+                                        <p:tgtEl>
+                                          <p:spTgt spid="5"/>
+                                        </p:tgtEl>
+                                        <p:attrNameLst>
+                                          <p:attrName>ppt_h</p:attrName>
+                                        </p:attrNameLst>
+                                      </p:cBhvr>
+                                      <p:tavLst>
+                                        <p:tav tm="0">
+                                          <p:val>
+                                            <p:fltVal val="0"/>
+                                          </p:val>
+                                        </p:tav>
+                                        <p:tav tm="100000">
+                                          <p:val>
+                                            <p:strVal val="#ppt_h"/>
+                                          </p:val>
+                                        </p:tav>
+                                      </p:tavLst>
+                                    </p:anim>
+                                    <p:animEffect transition="in" filter="fade">
+                                      <p:cBhvr>
+                                        <p:cTn id="9" dur="500"/>
+                                        <p:tgtEl>
+                                          <p:spTgt spid="5"/>
+                                        </p:tgtEl>
+                                      </p:cBhvr>
+                                    </p:animEffect>
+                                  </p:childTnLst>
+                                </p:cTn>
+                              </p:par>
+                            </p:childTnLst>
+                          </p:cTn>
+                        </p:par>
+                      </p:childTnLst>
+                    </p:cTn>
+                  </p:par>
+                  <p:par>
+                    <p:cTn id="10" fill="hold">
+                      <p:stCondLst>
+                        <p:cond delay="indefinite"/>
+                      </p:stCondLst>
+                      <p:childTnLst>
+                        <p:par>
+                          <p:cTn id="11" fill="hold">
+                            <p:stCondLst>
+                              <p:cond delay="0"/>
+                            </p:stCondLst>
+                            <p:childTnLst>
+                              <p:par>
+                                <p:cTn id="12" presetID="22" presetClass="entr" presetSubtype="4" fill="hold" nodeType="clickEffect">
+                                  <p:stCondLst>
+                                    <p:cond delay="0"/>
+                                  </p:stCondLst>
+                                  <p:childTnLst>
+                                    <p:set>
+                                      <p:cBhvr>
+                                        <p:cTn id="13" dur="1" fill="hold">
+                                          <p:stCondLst>
+                                            <p:cond delay="0"/>
+                                          </p:stCondLst>
+                                        </p:cTn>
+                                        <p:tgtEl>
+                                          <p:spTgt spid="6"/>
+                                        </p:tgtEl>
+                                        <p:attrNameLst>
+                                          <p:attrName>style.visibility</p:attrName>
+                                        </p:attrNameLst>
+                                      </p:cBhvr>
+                                      <p:to>
+                                        <p:strVal val="visible"/>
+                                      </p:to>
+                                    </p:set>
+                                    <p:animEffect transition="in" filter="wipe(down)">
+                                      <p:cBhvr>
+                                        <p:cTn id="14" dur="500"/>
+                                        <p:tgtEl>
+                                          <p:spTgt spid="6"/>
+                                        </p:tgtEl>
+                                      </p:cBhvr>
+                                    </p:animEffect>
+                                  </p:childTnLst>
+                                </p:cTn>
+                              </p:par>
+                            </p:childTnLst>
+                          </p:cTn>
+                        </p:par>
+                      </p:childTnLst>
+                    </p:cTn>
+                  </p:par>
+                  <p:par>
+                    <p:cTn id="15" fill="hold">
+                      <p:stCondLst>
+                        <p:cond delay="indefinite"/>
+                      </p:stCondLst>
+                      <p:childTnLst>
+                        <p:par>
+                          <p:cTn id="16" fill="hold">
+                            <p:stCondLst>
+                              <p:cond delay="0"/>
+                            </p:stCondLst>
+                            <p:childTnLst>
+                              <p:par>
+                                <p:cTn id="17" presetID="22" presetClass="entr" presetSubtype="4" fill="hold" nodeType="clickEffect">
+                                  <p:stCondLst>
+                                    <p:cond delay="0"/>
+                                  </p:stCondLst>
+                                  <p:childTnLst>
+                                    <p:set>
+                                      <p:cBhvr>
+                                        <p:cTn id="18" dur="1" fill="hold">
+                                          <p:stCondLst>
+                                            <p:cond delay="0"/>
+                                          </p:stCondLst>
+                                        </p:cTn>
+                                        <p:tgtEl>
+                                          <p:spTgt spid="8"/>
+                                        </p:tgtEl>
+                                        <p:attrNameLst>
+                                          <p:attrName>style.visibility</p:attrName>
+                                        </p:attrNameLst>
+                                      </p:cBhvr>
+                                      <p:to>
+                                        <p:strVal val="visible"/>
+                                      </p:to>
+                                    </p:set>
+                                    <p:animEffect transition="in" filter="wipe(down)">
+                                      <p:cBhvr>
+                                        <p:cTn id="19" dur="500"/>
+                                        <p:tgtEl>
+                                          <p:spTgt spid="8"/>
+                                        </p:tgtEl>
+                                      </p:cBhvr>
+                                    </p:animEffect>
+                                  </p:childTnLst>
+                                </p:cTn>
+                              </p:par>
+                            </p:childTnLst>
+                          </p:cTn>
+                        </p:par>
+                      </p:childTnLst>
+                    </p:cTn>
+                  </p:par>
+                </p:childTnLst>
+              </p:cTn>
+              <p:prevCondLst>
+                <p:cond evt="onPrev" delay="0">
+                  <p:tgtEl>
+                    <p:sldTgt/>
+                  </p:tgtEl>
+                </p:cond>
+              </p:prevCondLst>
+              <p:nextCondLst>
+                <p:cond evt="onNext" delay="0">
+                  <p:tgtEl>
+                    <p:sldTgt/>
+                  </p:tgtEl>
+                </p:cond>
+              </p:nextCondLst>
+            </p:seq>
+          </p:childTnLst>
+        </p:cTn>
+      </p:par>
+    </p:tnLst>
+  </p:timing>
+</p:sld>
+</file>
+
+<file path=ppt/slides/slide7.xml><?xml version="1.0" encoding="utf-8"?>
+<p:sld xmlns:a="http://schemas.openxmlformats.org/drawingml/2006/main" xmlns:r="http://schemas.openxmlformats.org/officeDocument/2006/relationships" xmlns:p="http://schemas.openxmlformats.org/presentationml/2006/main">
+  <p:cSld>
+    <p:spTree>
+      <p:nvGrpSpPr>
+        <p:cNvPr id="1" name=""/>
+        <p:cNvGrpSpPr/>
+        <p:nvPr/>
+      </p:nvGrpSpPr>
+      <p:grpSpPr>
+        <a:xfrm>
+          <a:off x="0" y="0"/>
+          <a:ext cx="0" cy="0"/>
+          <a:chOff x="0" y="0"/>
+          <a:chExt cx="0" cy="0"/>
+        </a:xfrm>
+      </p:grpSpPr>
+      <p:sp>
+        <p:nvSpPr>
+          <p:cNvPr id="2" name="Titre 1">
+            <a:extLst>
+              <a:ext uri="{FF2B5EF4-FFF2-40B4-BE49-F238E27FC236}">
+                <a16:creationId xmlns:a16="http://schemas.microsoft.com/office/drawing/2014/main" id="{96812416-A4D5-470D-8851-162FA5756621}"/>
+              </a:ext>
+            </a:extLst>
+          </p:cNvPr>
+          <p:cNvSpPr>
+            <a:spLocks noGrp="1"/>
+          </p:cNvSpPr>
+          <p:nvPr>
+            <p:ph type="title"/>
+          </p:nvPr>
+        </p:nvSpPr>
+        <p:spPr/>
+        <p:txBody>
+          <a:bodyPr/>
+          <a:lstStyle/>
+          <a:p>
+            <a:r>
+              <a:rPr lang="fr-FR" dirty="0"/>
+              <a:t>Mes interactions avec mon équipe</a:t>
+            </a:r>
+          </a:p>
+        </p:txBody>
+      </p:sp>
+      <p:sp>
+        <p:nvSpPr>
+          <p:cNvPr id="3" name="Espace réservé du contenu 2">
+            <a:extLst>
+              <a:ext uri="{FF2B5EF4-FFF2-40B4-BE49-F238E27FC236}">
+                <a16:creationId xmlns:a16="http://schemas.microsoft.com/office/drawing/2014/main" id="{1618D275-ED27-48BD-AABC-2AE7E178B89A}"/>
+              </a:ext>
+            </a:extLst>
+          </p:cNvPr>
+          <p:cNvSpPr>
+            <a:spLocks noGrp="1"/>
+          </p:cNvSpPr>
+          <p:nvPr>
+            <p:ph idx="1"/>
+          </p:nvPr>
+        </p:nvSpPr>
+        <p:spPr/>
+        <p:txBody>
+          <a:bodyPr/>
+          <a:lstStyle/>
+          <a:p>
+            <a:endParaRPr lang="fr-FR"/>
+          </a:p>
+        </p:txBody>
+      </p:sp>
+    </p:spTree>
+    <p:extLst>
+      <p:ext uri="{BB962C8B-B14F-4D97-AF65-F5344CB8AC3E}">
+        <p14:creationId xmlns:p14="http://schemas.microsoft.com/office/powerpoint/2010/main" val="341478031"/>
+      </p:ext>
+    </p:extLst>
+  </p:cSld>
+  <p:clrMapOvr>
+    <a:masterClrMapping/>
+  </p:clrMapOvr>
+</p:sld>
+</file>
+
+<file path=ppt/slides/slide8.xml><?xml version="1.0" encoding="utf-8"?>
+<p:sld xmlns:a="http://schemas.openxmlformats.org/drawingml/2006/main" xmlns:r="http://schemas.openxmlformats.org/officeDocument/2006/relationships" xmlns:p="http://schemas.openxmlformats.org/presentationml/2006/main">
+  <p:cSld>
+    <p:spTree>
+      <p:nvGrpSpPr>
+        <p:cNvPr id="1" name=""/>
+        <p:cNvGrpSpPr/>
+        <p:nvPr/>
+      </p:nvGrpSpPr>
+      <p:grpSpPr>
+        <a:xfrm>
+          <a:off x="0" y="0"/>
+          <a:ext cx="0" cy="0"/>
+          <a:chOff x="0" y="0"/>
+          <a:chExt cx="0" cy="0"/>
+        </a:xfrm>
+      </p:grpSpPr>
+      <p:sp>
+        <p:nvSpPr>
+          <p:cNvPr id="2" name="Titre 1">
+            <a:extLst>
+              <a:ext uri="{FF2B5EF4-FFF2-40B4-BE49-F238E27FC236}">
+                <a16:creationId xmlns:a16="http://schemas.microsoft.com/office/drawing/2014/main" id="{BA8FFAD8-A191-4073-8AD1-4E90617F2FE8}"/>
+              </a:ext>
+            </a:extLst>
+          </p:cNvPr>
+          <p:cNvSpPr>
+            <a:spLocks noGrp="1"/>
+          </p:cNvSpPr>
+          <p:nvPr>
+            <p:ph type="title"/>
+          </p:nvPr>
+        </p:nvSpPr>
+        <p:spPr/>
+        <p:txBody>
+          <a:bodyPr/>
+          <a:lstStyle/>
+          <a:p>
+            <a:r>
+              <a:rPr lang="fr-FR" dirty="0"/>
+              <a:t>Evolution du projet et conclusion</a:t>
+            </a:r>
+          </a:p>
+        </p:txBody>
+      </p:sp>
+      <p:sp>
+        <p:nvSpPr>
+          <p:cNvPr id="3" name="Espace réservé du contenu 2">
+            <a:extLst>
+              <a:ext uri="{FF2B5EF4-FFF2-40B4-BE49-F238E27FC236}">
+                <a16:creationId xmlns:a16="http://schemas.microsoft.com/office/drawing/2014/main" id="{DDFE3153-3D92-42EE-87B8-0019A2CE568F}"/>
+              </a:ext>
+            </a:extLst>
+          </p:cNvPr>
+          <p:cNvSpPr>
+            <a:spLocks noGrp="1"/>
+          </p:cNvSpPr>
+          <p:nvPr>
+            <p:ph idx="1"/>
+          </p:nvPr>
+        </p:nvSpPr>
+        <p:spPr/>
+        <p:txBody>
+          <a:bodyPr/>
+          <a:lstStyle/>
+          <a:p>
+            <a:endParaRPr lang="fr-FR"/>
+          </a:p>
+        </p:txBody>
+      </p:sp>
+    </p:spTree>
+    <p:extLst>
+      <p:ext uri="{BB962C8B-B14F-4D97-AF65-F5344CB8AC3E}">
+        <p14:creationId xmlns:p14="http://schemas.microsoft.com/office/powerpoint/2010/main" val="64673468"/>
       </p:ext>
     </p:extLst>
   </p:cSld>

--- a/Partie personnelle Killian LABATTUT/Revue de projet n°2.pptx
+++ b/Partie personnelle Killian LABATTUT/Revue de projet n°2.pptx
@@ -765,7 +765,7 @@
           <a:p>
             <a:fld id="{9AB3A824-1A51-4B26-AD58-A6D8E14F6C04}" type="datetimeFigureOut">
               <a:rPr lang="en-US" smtClean="0"/>
-              <a:t>2/6/2019</a:t>
+              <a:t>2/7/2019</a:t>
             </a:fld>
             <a:endParaRPr lang="en-US" dirty="0"/>
           </a:p>
@@ -1890,7 +1890,7 @@
           <a:p>
             <a:fld id="{3CBC1C18-307B-4F68-A007-B5B542270E8D}" type="datetimeFigureOut">
               <a:rPr lang="en-US" smtClean="0"/>
-              <a:t>2/6/2019</a:t>
+              <a:t>2/7/2019</a:t>
             </a:fld>
             <a:endParaRPr lang="en-US" dirty="0"/>
           </a:p>
@@ -2908,7 +2908,7 @@
           <a:p>
             <a:fld id="{3CBC1C18-307B-4F68-A007-B5B542270E8D}" type="datetimeFigureOut">
               <a:rPr lang="en-US" smtClean="0"/>
-              <a:t>2/6/2019</a:t>
+              <a:t>2/7/2019</a:t>
             </a:fld>
             <a:endParaRPr lang="en-US" dirty="0"/>
           </a:p>
@@ -4085,7 +4085,7 @@
           <a:p>
             <a:fld id="{3CBC1C18-307B-4F68-A007-B5B542270E8D}" type="datetimeFigureOut">
               <a:rPr lang="en-US" smtClean="0"/>
-              <a:t>2/6/2019</a:t>
+              <a:t>2/7/2019</a:t>
             </a:fld>
             <a:endParaRPr lang="en-US" dirty="0"/>
           </a:p>
@@ -5153,7 +5153,7 @@
           <a:p>
             <a:fld id="{3CBC1C18-307B-4F68-A007-B5B542270E8D}" type="datetimeFigureOut">
               <a:rPr lang="en-US" smtClean="0"/>
-              <a:t>2/6/2019</a:t>
+              <a:t>2/7/2019</a:t>
             </a:fld>
             <a:endParaRPr lang="en-US" dirty="0"/>
           </a:p>
@@ -5806,7 +5806,7 @@
           <a:p>
             <a:fld id="{3CBC1C18-307B-4F68-A007-B5B542270E8D}" type="datetimeFigureOut">
               <a:rPr lang="en-US" smtClean="0"/>
-              <a:t>2/6/2019</a:t>
+              <a:t>2/7/2019</a:t>
             </a:fld>
             <a:endParaRPr lang="en-US" dirty="0"/>
           </a:p>
@@ -6660,7 +6660,7 @@
           <a:p>
             <a:fld id="{3CBC1C18-307B-4F68-A007-B5B542270E8D}" type="datetimeFigureOut">
               <a:rPr lang="en-US" smtClean="0"/>
-              <a:t>2/6/2019</a:t>
+              <a:t>2/7/2019</a:t>
             </a:fld>
             <a:endParaRPr lang="en-US" dirty="0"/>
           </a:p>
@@ -6842,7 +6842,7 @@
           <a:p>
             <a:fld id="{D857E33E-8B18-4087-B112-809917729534}" type="datetimeFigureOut">
               <a:rPr lang="en-US" smtClean="0"/>
-              <a:t>2/6/2019</a:t>
+              <a:t>2/7/2019</a:t>
             </a:fld>
             <a:endParaRPr lang="en-US" dirty="0"/>
           </a:p>
@@ -7845,7 +7845,7 @@
           <a:p>
             <a:fld id="{D3FFE419-2371-464F-8239-3959401C3561}" type="datetimeFigureOut">
               <a:rPr lang="en-US" smtClean="0"/>
-              <a:t>2/6/2019</a:t>
+              <a:t>2/7/2019</a:t>
             </a:fld>
             <a:endParaRPr lang="en-US" dirty="0"/>
           </a:p>
@@ -8056,7 +8056,7 @@
           <a:p>
             <a:fld id="{97D162C4-EDD9-4389-A98B-B87ECEA2A816}" type="datetimeFigureOut">
               <a:rPr lang="en-US" smtClean="0"/>
-              <a:t>2/6/2019</a:t>
+              <a:t>2/7/2019</a:t>
             </a:fld>
             <a:endParaRPr lang="en-US" dirty="0"/>
           </a:p>
@@ -9123,7 +9123,7 @@
           <a:p>
             <a:fld id="{3E5059C3-6A89-4494-99FF-5A4D6FFD50EB}" type="datetimeFigureOut">
               <a:rPr lang="en-US" smtClean="0"/>
-              <a:t>2/6/2019</a:t>
+              <a:t>2/7/2019</a:t>
             </a:fld>
             <a:endParaRPr lang="en-US" dirty="0"/>
           </a:p>
@@ -9400,7 +9400,7 @@
           <a:p>
             <a:fld id="{CA954B2F-12DE-47F5-8894-472B206D2E1E}" type="datetimeFigureOut">
               <a:rPr lang="en-US" smtClean="0"/>
-              <a:t>2/6/2019</a:t>
+              <a:t>2/7/2019</a:t>
             </a:fld>
             <a:endParaRPr lang="en-US" dirty="0"/>
           </a:p>
@@ -9787,7 +9787,7 @@
           <a:p>
             <a:fld id="{3F30E46F-7819-4ACF-B48B-48222C2ACC88}" type="datetimeFigureOut">
               <a:rPr lang="en-US" smtClean="0"/>
-              <a:t>2/6/2019</a:t>
+              <a:t>2/7/2019</a:t>
             </a:fld>
             <a:endParaRPr lang="en-US" dirty="0"/>
           </a:p>
@@ -9910,7 +9910,7 @@
           <a:p>
             <a:fld id="{1FAF3416-4057-4DAA-829D-4CA07428D088}" type="datetimeFigureOut">
               <a:rPr lang="en-US" smtClean="0"/>
-              <a:t>2/6/2019</a:t>
+              <a:t>2/7/2019</a:t>
             </a:fld>
             <a:endParaRPr lang="en-US" dirty="0"/>
           </a:p>
@@ -10010,7 +10010,7 @@
           <a:p>
             <a:fld id="{921D9284-D300-4297-87F7-E791DCC15DB1}" type="datetimeFigureOut">
               <a:rPr lang="en-US" smtClean="0"/>
-              <a:t>2/6/2019</a:t>
+              <a:t>2/7/2019</a:t>
             </a:fld>
             <a:endParaRPr lang="en-US" dirty="0"/>
           </a:p>
@@ -11124,7 +11124,7 @@
           <a:p>
             <a:fld id="{37D525BB-DA17-4BA0-B3C8-3AC3ABC827E6}" type="datetimeFigureOut">
               <a:rPr lang="en-US" smtClean="0"/>
-              <a:t>2/6/2019</a:t>
+              <a:t>2/7/2019</a:t>
             </a:fld>
             <a:endParaRPr lang="en-US" dirty="0"/>
           </a:p>
@@ -12262,7 +12262,7 @@
           <a:p>
             <a:fld id="{B16C4C9A-3960-41CF-A4E9-2A8FB932454B}" type="datetimeFigureOut">
               <a:rPr lang="en-US" smtClean="0"/>
-              <a:t>2/6/2019</a:t>
+              <a:t>2/7/2019</a:t>
             </a:fld>
             <a:endParaRPr lang="en-US" dirty="0"/>
           </a:p>
@@ -13295,7 +13295,7 @@
           <a:p>
             <a:fld id="{3CBC1C18-307B-4F68-A007-B5B542270E8D}" type="datetimeFigureOut">
               <a:rPr lang="en-US" smtClean="0"/>
-              <a:t>2/6/2019</a:t>
+              <a:t>2/7/2019</a:t>
             </a:fld>
             <a:endParaRPr lang="en-US" dirty="0"/>
           </a:p>
@@ -15257,6 +15257,386 @@
           </a:prstGeom>
         </p:spPr>
       </p:pic>
+      <p:pic>
+        <p:nvPicPr>
+          <p:cNvPr id="3" name="Image 2">
+            <a:extLst>
+              <a:ext uri="{FF2B5EF4-FFF2-40B4-BE49-F238E27FC236}">
+                <a16:creationId xmlns:a16="http://schemas.microsoft.com/office/drawing/2014/main" id="{65194EEC-2655-4052-A7CF-1654ED398517}"/>
+              </a:ext>
+            </a:extLst>
+          </p:cNvPr>
+          <p:cNvPicPr>
+            <a:picLocks noChangeAspect="1"/>
+          </p:cNvPicPr>
+          <p:nvPr/>
+        </p:nvPicPr>
+        <p:blipFill>
+          <a:blip r:embed="rId5"/>
+          <a:stretch>
+            <a:fillRect/>
+          </a:stretch>
+        </p:blipFill>
+        <p:spPr>
+          <a:xfrm>
+            <a:off x="20382" y="0"/>
+            <a:ext cx="12169182" cy="5679723"/>
+          </a:xfrm>
+          <a:prstGeom prst="rect">
+            <a:avLst/>
+          </a:prstGeom>
+        </p:spPr>
+      </p:pic>
+      <p:pic>
+        <p:nvPicPr>
+          <p:cNvPr id="4" name="Image 3">
+            <a:extLst>
+              <a:ext uri="{FF2B5EF4-FFF2-40B4-BE49-F238E27FC236}">
+                <a16:creationId xmlns:a16="http://schemas.microsoft.com/office/drawing/2014/main" id="{0570C3DA-C8C2-4B82-B771-F55C70BA73F8}"/>
+              </a:ext>
+            </a:extLst>
+          </p:cNvPr>
+          <p:cNvPicPr>
+            <a:picLocks noChangeAspect="1"/>
+          </p:cNvPicPr>
+          <p:nvPr/>
+        </p:nvPicPr>
+        <p:blipFill>
+          <a:blip r:embed="rId6"/>
+          <a:stretch>
+            <a:fillRect/>
+          </a:stretch>
+        </p:blipFill>
+        <p:spPr>
+          <a:xfrm>
+            <a:off x="-4872" y="0"/>
+            <a:ext cx="11764804" cy="6858000"/>
+          </a:xfrm>
+          <a:prstGeom prst="rect">
+            <a:avLst/>
+          </a:prstGeom>
+        </p:spPr>
+      </p:pic>
+      <p:sp>
+        <p:nvSpPr>
+          <p:cNvPr id="7" name="Ellipse 6">
+            <a:extLst>
+              <a:ext uri="{FF2B5EF4-FFF2-40B4-BE49-F238E27FC236}">
+                <a16:creationId xmlns:a16="http://schemas.microsoft.com/office/drawing/2014/main" id="{15FAC527-CE61-440B-998A-17592D8E7041}"/>
+              </a:ext>
+            </a:extLst>
+          </p:cNvPr>
+          <p:cNvSpPr/>
+          <p:nvPr/>
+        </p:nvSpPr>
+        <p:spPr>
+          <a:xfrm>
+            <a:off x="22818" y="2360437"/>
+            <a:ext cx="3289877" cy="1283369"/>
+          </a:xfrm>
+          <a:prstGeom prst="ellipse">
+            <a:avLst/>
+          </a:prstGeom>
+          <a:solidFill>
+            <a:schemeClr val="accent5">
+              <a:lumMod val="75000"/>
+              <a:alpha val="25882"/>
+            </a:schemeClr>
+          </a:solidFill>
+        </p:spPr>
+        <p:style>
+          <a:lnRef idx="2">
+            <a:schemeClr val="accent1">
+              <a:shade val="50000"/>
+            </a:schemeClr>
+          </a:lnRef>
+          <a:fillRef idx="1">
+            <a:schemeClr val="accent1"/>
+          </a:fillRef>
+          <a:effectRef idx="0">
+            <a:schemeClr val="accent1"/>
+          </a:effectRef>
+          <a:fontRef idx="minor">
+            <a:schemeClr val="lt1"/>
+          </a:fontRef>
+        </p:style>
+        <p:txBody>
+          <a:bodyPr rtlCol="0" anchor="ctr"/>
+          <a:lstStyle/>
+          <a:p>
+            <a:pPr algn="ctr"/>
+            <a:endParaRPr lang="fr-FR"/>
+          </a:p>
+        </p:txBody>
+      </p:sp>
+      <p:sp>
+        <p:nvSpPr>
+          <p:cNvPr id="9" name="Ellipse 8">
+            <a:extLst>
+              <a:ext uri="{FF2B5EF4-FFF2-40B4-BE49-F238E27FC236}">
+                <a16:creationId xmlns:a16="http://schemas.microsoft.com/office/drawing/2014/main" id="{483F2C84-409D-47F3-99F6-0A379AD8C542}"/>
+              </a:ext>
+            </a:extLst>
+          </p:cNvPr>
+          <p:cNvSpPr/>
+          <p:nvPr/>
+        </p:nvSpPr>
+        <p:spPr>
+          <a:xfrm>
+            <a:off x="3312695" y="1846087"/>
+            <a:ext cx="3289877" cy="1283369"/>
+          </a:xfrm>
+          <a:prstGeom prst="ellipse">
+            <a:avLst/>
+          </a:prstGeom>
+          <a:solidFill>
+            <a:schemeClr val="accent5">
+              <a:lumMod val="75000"/>
+              <a:alpha val="25882"/>
+            </a:schemeClr>
+          </a:solidFill>
+        </p:spPr>
+        <p:style>
+          <a:lnRef idx="2">
+            <a:schemeClr val="accent1">
+              <a:shade val="50000"/>
+            </a:schemeClr>
+          </a:lnRef>
+          <a:fillRef idx="1">
+            <a:schemeClr val="accent1"/>
+          </a:fillRef>
+          <a:effectRef idx="0">
+            <a:schemeClr val="accent1"/>
+          </a:effectRef>
+          <a:fontRef idx="minor">
+            <a:schemeClr val="lt1"/>
+          </a:fontRef>
+        </p:style>
+        <p:txBody>
+          <a:bodyPr rtlCol="0" anchor="ctr"/>
+          <a:lstStyle/>
+          <a:p>
+            <a:pPr algn="ctr"/>
+            <a:endParaRPr lang="fr-FR"/>
+          </a:p>
+        </p:txBody>
+      </p:sp>
+      <p:sp>
+        <p:nvSpPr>
+          <p:cNvPr id="10" name="Ellipse 9">
+            <a:extLst>
+              <a:ext uri="{FF2B5EF4-FFF2-40B4-BE49-F238E27FC236}">
+                <a16:creationId xmlns:a16="http://schemas.microsoft.com/office/drawing/2014/main" id="{73053539-2AEE-48F5-8EBF-B19840106E9D}"/>
+              </a:ext>
+            </a:extLst>
+          </p:cNvPr>
+          <p:cNvSpPr/>
+          <p:nvPr/>
+        </p:nvSpPr>
+        <p:spPr>
+          <a:xfrm>
+            <a:off x="3248526" y="618790"/>
+            <a:ext cx="3289877" cy="1283369"/>
+          </a:xfrm>
+          <a:prstGeom prst="ellipse">
+            <a:avLst/>
+          </a:prstGeom>
+          <a:solidFill>
+            <a:schemeClr val="accent5">
+              <a:lumMod val="75000"/>
+              <a:alpha val="25882"/>
+            </a:schemeClr>
+          </a:solidFill>
+        </p:spPr>
+        <p:style>
+          <a:lnRef idx="2">
+            <a:schemeClr val="accent1">
+              <a:shade val="50000"/>
+            </a:schemeClr>
+          </a:lnRef>
+          <a:fillRef idx="1">
+            <a:schemeClr val="accent1"/>
+          </a:fillRef>
+          <a:effectRef idx="0">
+            <a:schemeClr val="accent1"/>
+          </a:effectRef>
+          <a:fontRef idx="minor">
+            <a:schemeClr val="lt1"/>
+          </a:fontRef>
+        </p:style>
+        <p:txBody>
+          <a:bodyPr rtlCol="0" anchor="ctr"/>
+          <a:lstStyle/>
+          <a:p>
+            <a:pPr algn="ctr"/>
+            <a:endParaRPr lang="fr-FR"/>
+          </a:p>
+        </p:txBody>
+      </p:sp>
+      <p:sp>
+        <p:nvSpPr>
+          <p:cNvPr id="12" name="Ellipse 11">
+            <a:extLst>
+              <a:ext uri="{FF2B5EF4-FFF2-40B4-BE49-F238E27FC236}">
+                <a16:creationId xmlns:a16="http://schemas.microsoft.com/office/drawing/2014/main" id="{5C8A1DE0-E863-4DAC-8D87-E29319F52745}"/>
+              </a:ext>
+            </a:extLst>
+          </p:cNvPr>
+          <p:cNvSpPr/>
+          <p:nvPr/>
+        </p:nvSpPr>
+        <p:spPr>
+          <a:xfrm>
+            <a:off x="84853" y="3949162"/>
+            <a:ext cx="3289877" cy="1283369"/>
+          </a:xfrm>
+          <a:prstGeom prst="ellipse">
+            <a:avLst/>
+          </a:prstGeom>
+          <a:solidFill>
+            <a:schemeClr val="accent5">
+              <a:lumMod val="75000"/>
+              <a:alpha val="25882"/>
+            </a:schemeClr>
+          </a:solidFill>
+        </p:spPr>
+        <p:style>
+          <a:lnRef idx="2">
+            <a:schemeClr val="accent1">
+              <a:shade val="50000"/>
+            </a:schemeClr>
+          </a:lnRef>
+          <a:fillRef idx="1">
+            <a:schemeClr val="accent1"/>
+          </a:fillRef>
+          <a:effectRef idx="0">
+            <a:schemeClr val="accent1"/>
+          </a:effectRef>
+          <a:fontRef idx="minor">
+            <a:schemeClr val="lt1"/>
+          </a:fontRef>
+        </p:style>
+        <p:txBody>
+          <a:bodyPr rtlCol="0" anchor="ctr"/>
+          <a:lstStyle/>
+          <a:p>
+            <a:pPr algn="ctr"/>
+            <a:endParaRPr lang="fr-FR"/>
+          </a:p>
+        </p:txBody>
+      </p:sp>
+      <p:sp>
+        <p:nvSpPr>
+          <p:cNvPr id="20" name="Ellipse 19">
+            <a:extLst>
+              <a:ext uri="{FF2B5EF4-FFF2-40B4-BE49-F238E27FC236}">
+                <a16:creationId xmlns:a16="http://schemas.microsoft.com/office/drawing/2014/main" id="{A1037987-8A3B-480A-82E3-333725F1A1F7}"/>
+              </a:ext>
+            </a:extLst>
+          </p:cNvPr>
+          <p:cNvSpPr/>
+          <p:nvPr/>
+        </p:nvSpPr>
+        <p:spPr>
+          <a:xfrm>
+            <a:off x="9642374" y="1583051"/>
+            <a:ext cx="2117558" cy="3334717"/>
+          </a:xfrm>
+          <a:prstGeom prst="ellipse">
+            <a:avLst/>
+          </a:prstGeom>
+          <a:solidFill>
+            <a:schemeClr val="accent5">
+              <a:lumMod val="75000"/>
+              <a:alpha val="25882"/>
+            </a:schemeClr>
+          </a:solidFill>
+        </p:spPr>
+        <p:style>
+          <a:lnRef idx="2">
+            <a:schemeClr val="accent1">
+              <a:shade val="50000"/>
+            </a:schemeClr>
+          </a:lnRef>
+          <a:fillRef idx="1">
+            <a:schemeClr val="accent1"/>
+          </a:fillRef>
+          <a:effectRef idx="0">
+            <a:schemeClr val="accent1"/>
+          </a:effectRef>
+          <a:fontRef idx="minor">
+            <a:schemeClr val="lt1"/>
+          </a:fontRef>
+        </p:style>
+        <p:txBody>
+          <a:bodyPr rtlCol="0" anchor="ctr"/>
+          <a:lstStyle/>
+          <a:p>
+            <a:pPr algn="ctr"/>
+            <a:endParaRPr lang="fr-FR"/>
+          </a:p>
+        </p:txBody>
+      </p:sp>
+      <p:pic>
+        <p:nvPicPr>
+          <p:cNvPr id="27" name="Image 26">
+            <a:extLst>
+              <a:ext uri="{FF2B5EF4-FFF2-40B4-BE49-F238E27FC236}">
+                <a16:creationId xmlns:a16="http://schemas.microsoft.com/office/drawing/2014/main" id="{39DF9907-353A-4596-A3FE-3BFA370A07B5}"/>
+              </a:ext>
+            </a:extLst>
+          </p:cNvPr>
+          <p:cNvPicPr>
+            <a:picLocks noChangeAspect="1"/>
+          </p:cNvPicPr>
+          <p:nvPr/>
+        </p:nvPicPr>
+        <p:blipFill>
+          <a:blip r:embed="rId7"/>
+          <a:stretch>
+            <a:fillRect/>
+          </a:stretch>
+        </p:blipFill>
+        <p:spPr>
+          <a:xfrm>
+            <a:off x="-9744" y="0"/>
+            <a:ext cx="8075928" cy="6858000"/>
+          </a:xfrm>
+          <a:prstGeom prst="rect">
+            <a:avLst/>
+          </a:prstGeom>
+        </p:spPr>
+      </p:pic>
+      <p:pic>
+        <p:nvPicPr>
+          <p:cNvPr id="25" name="Image 24">
+            <a:extLst>
+              <a:ext uri="{FF2B5EF4-FFF2-40B4-BE49-F238E27FC236}">
+                <a16:creationId xmlns:a16="http://schemas.microsoft.com/office/drawing/2014/main" id="{F7EBB577-5762-43DF-B9E8-F74E84F2D686}"/>
+              </a:ext>
+            </a:extLst>
+          </p:cNvPr>
+          <p:cNvPicPr>
+            <a:picLocks noChangeAspect="1"/>
+          </p:cNvPicPr>
+          <p:nvPr/>
+        </p:nvPicPr>
+        <p:blipFill>
+          <a:blip r:embed="rId8"/>
+          <a:stretch>
+            <a:fillRect/>
+          </a:stretch>
+        </p:blipFill>
+        <p:spPr>
+          <a:xfrm>
+            <a:off x="-142701" y="1260474"/>
+            <a:ext cx="8607222" cy="4418374"/>
+          </a:xfrm>
+          <a:prstGeom prst="rect">
+            <a:avLst/>
+          </a:prstGeom>
+        </p:spPr>
+      </p:pic>
     </p:spTree>
     <p:extLst>
       <p:ext uri="{BB962C8B-B14F-4D97-AF65-F5344CB8AC3E}">
@@ -15480,6 +15860,357 @@
                       </p:childTnLst>
                     </p:cTn>
                   </p:par>
+                  <p:par>
+                    <p:cTn id="20" fill="hold">
+                      <p:stCondLst>
+                        <p:cond delay="indefinite"/>
+                      </p:stCondLst>
+                      <p:childTnLst>
+                        <p:par>
+                          <p:cTn id="21" fill="hold">
+                            <p:stCondLst>
+                              <p:cond delay="0"/>
+                            </p:stCondLst>
+                            <p:childTnLst>
+                              <p:par>
+                                <p:cTn id="22" presetID="1" presetClass="entr" presetSubtype="0" fill="hold" nodeType="clickEffect">
+                                  <p:stCondLst>
+                                    <p:cond delay="0"/>
+                                  </p:stCondLst>
+                                  <p:childTnLst>
+                                    <p:set>
+                                      <p:cBhvr>
+                                        <p:cTn id="23" dur="1" fill="hold">
+                                          <p:stCondLst>
+                                            <p:cond delay="0"/>
+                                          </p:stCondLst>
+                                        </p:cTn>
+                                        <p:tgtEl>
+                                          <p:spTgt spid="3"/>
+                                        </p:tgtEl>
+                                        <p:attrNameLst>
+                                          <p:attrName>style.visibility</p:attrName>
+                                        </p:attrNameLst>
+                                      </p:cBhvr>
+                                      <p:to>
+                                        <p:strVal val="visible"/>
+                                      </p:to>
+                                    </p:set>
+                                  </p:childTnLst>
+                                </p:cTn>
+                              </p:par>
+                            </p:childTnLst>
+                          </p:cTn>
+                        </p:par>
+                      </p:childTnLst>
+                    </p:cTn>
+                  </p:par>
+                  <p:par>
+                    <p:cTn id="24" fill="hold">
+                      <p:stCondLst>
+                        <p:cond delay="indefinite"/>
+                      </p:stCondLst>
+                      <p:childTnLst>
+                        <p:par>
+                          <p:cTn id="25" fill="hold">
+                            <p:stCondLst>
+                              <p:cond delay="0"/>
+                            </p:stCondLst>
+                            <p:childTnLst>
+                              <p:par>
+                                <p:cTn id="26" presetID="1" presetClass="entr" presetSubtype="0" fill="hold" nodeType="clickEffect">
+                                  <p:stCondLst>
+                                    <p:cond delay="0"/>
+                                  </p:stCondLst>
+                                  <p:childTnLst>
+                                    <p:set>
+                                      <p:cBhvr>
+                                        <p:cTn id="27" dur="1" fill="hold">
+                                          <p:stCondLst>
+                                            <p:cond delay="0"/>
+                                          </p:stCondLst>
+                                        </p:cTn>
+                                        <p:tgtEl>
+                                          <p:spTgt spid="4"/>
+                                        </p:tgtEl>
+                                        <p:attrNameLst>
+                                          <p:attrName>style.visibility</p:attrName>
+                                        </p:attrNameLst>
+                                      </p:cBhvr>
+                                      <p:to>
+                                        <p:strVal val="visible"/>
+                                      </p:to>
+                                    </p:set>
+                                  </p:childTnLst>
+                                </p:cTn>
+                              </p:par>
+                            </p:childTnLst>
+                          </p:cTn>
+                        </p:par>
+                      </p:childTnLst>
+                    </p:cTn>
+                  </p:par>
+                  <p:par>
+                    <p:cTn id="28" fill="hold">
+                      <p:stCondLst>
+                        <p:cond delay="indefinite"/>
+                      </p:stCondLst>
+                      <p:childTnLst>
+                        <p:par>
+                          <p:cTn id="29" fill="hold">
+                            <p:stCondLst>
+                              <p:cond delay="0"/>
+                            </p:stCondLst>
+                            <p:childTnLst>
+                              <p:par>
+                                <p:cTn id="30" presetID="1" presetClass="entr" presetSubtype="0" fill="hold" grpId="0" nodeType="clickEffect">
+                                  <p:stCondLst>
+                                    <p:cond delay="0"/>
+                                  </p:stCondLst>
+                                  <p:childTnLst>
+                                    <p:set>
+                                      <p:cBhvr>
+                                        <p:cTn id="31" dur="1" fill="hold">
+                                          <p:stCondLst>
+                                            <p:cond delay="0"/>
+                                          </p:stCondLst>
+                                        </p:cTn>
+                                        <p:tgtEl>
+                                          <p:spTgt spid="9"/>
+                                        </p:tgtEl>
+                                        <p:attrNameLst>
+                                          <p:attrName>style.visibility</p:attrName>
+                                        </p:attrNameLst>
+                                      </p:cBhvr>
+                                      <p:to>
+                                        <p:strVal val="visible"/>
+                                      </p:to>
+                                    </p:set>
+                                  </p:childTnLst>
+                                </p:cTn>
+                              </p:par>
+                              <p:par>
+                                <p:cTn id="32" presetID="1" presetClass="entr" presetSubtype="0" fill="hold" grpId="0" nodeType="withEffect">
+                                  <p:stCondLst>
+                                    <p:cond delay="0"/>
+                                  </p:stCondLst>
+                                  <p:childTnLst>
+                                    <p:set>
+                                      <p:cBhvr>
+                                        <p:cTn id="33" dur="1" fill="hold">
+                                          <p:stCondLst>
+                                            <p:cond delay="0"/>
+                                          </p:stCondLst>
+                                        </p:cTn>
+                                        <p:tgtEl>
+                                          <p:spTgt spid="7"/>
+                                        </p:tgtEl>
+                                        <p:attrNameLst>
+                                          <p:attrName>style.visibility</p:attrName>
+                                        </p:attrNameLst>
+                                      </p:cBhvr>
+                                      <p:to>
+                                        <p:strVal val="visible"/>
+                                      </p:to>
+                                    </p:set>
+                                  </p:childTnLst>
+                                </p:cTn>
+                              </p:par>
+                              <p:par>
+                                <p:cTn id="34" presetID="1" presetClass="entr" presetSubtype="0" fill="hold" grpId="0" nodeType="withEffect">
+                                  <p:stCondLst>
+                                    <p:cond delay="0"/>
+                                  </p:stCondLst>
+                                  <p:childTnLst>
+                                    <p:set>
+                                      <p:cBhvr>
+                                        <p:cTn id="35" dur="1" fill="hold">
+                                          <p:stCondLst>
+                                            <p:cond delay="0"/>
+                                          </p:stCondLst>
+                                        </p:cTn>
+                                        <p:tgtEl>
+                                          <p:spTgt spid="12"/>
+                                        </p:tgtEl>
+                                        <p:attrNameLst>
+                                          <p:attrName>style.visibility</p:attrName>
+                                        </p:attrNameLst>
+                                      </p:cBhvr>
+                                      <p:to>
+                                        <p:strVal val="visible"/>
+                                      </p:to>
+                                    </p:set>
+                                  </p:childTnLst>
+                                </p:cTn>
+                              </p:par>
+                              <p:par>
+                                <p:cTn id="36" presetID="1" presetClass="entr" presetSubtype="0" fill="hold" grpId="0" nodeType="withEffect">
+                                  <p:stCondLst>
+                                    <p:cond delay="0"/>
+                                  </p:stCondLst>
+                                  <p:childTnLst>
+                                    <p:set>
+                                      <p:cBhvr>
+                                        <p:cTn id="37" dur="1" fill="hold">
+                                          <p:stCondLst>
+                                            <p:cond delay="0"/>
+                                          </p:stCondLst>
+                                        </p:cTn>
+                                        <p:tgtEl>
+                                          <p:spTgt spid="10"/>
+                                        </p:tgtEl>
+                                        <p:attrNameLst>
+                                          <p:attrName>style.visibility</p:attrName>
+                                        </p:attrNameLst>
+                                      </p:cBhvr>
+                                      <p:to>
+                                        <p:strVal val="visible"/>
+                                      </p:to>
+                                    </p:set>
+                                  </p:childTnLst>
+                                </p:cTn>
+                              </p:par>
+                            </p:childTnLst>
+                          </p:cTn>
+                        </p:par>
+                      </p:childTnLst>
+                    </p:cTn>
+                  </p:par>
+                  <p:par>
+                    <p:cTn id="38" fill="hold">
+                      <p:stCondLst>
+                        <p:cond delay="indefinite"/>
+                      </p:stCondLst>
+                      <p:childTnLst>
+                        <p:par>
+                          <p:cTn id="39" fill="hold">
+                            <p:stCondLst>
+                              <p:cond delay="0"/>
+                            </p:stCondLst>
+                            <p:childTnLst>
+                              <p:par>
+                                <p:cTn id="40" presetID="1" presetClass="entr" presetSubtype="0" fill="hold" grpId="0" nodeType="clickEffect">
+                                  <p:stCondLst>
+                                    <p:cond delay="0"/>
+                                  </p:stCondLst>
+                                  <p:childTnLst>
+                                    <p:set>
+                                      <p:cBhvr>
+                                        <p:cTn id="41" dur="1" fill="hold">
+                                          <p:stCondLst>
+                                            <p:cond delay="0"/>
+                                          </p:stCondLst>
+                                        </p:cTn>
+                                        <p:tgtEl>
+                                          <p:spTgt spid="20"/>
+                                        </p:tgtEl>
+                                        <p:attrNameLst>
+                                          <p:attrName>style.visibility</p:attrName>
+                                        </p:attrNameLst>
+                                      </p:cBhvr>
+                                      <p:to>
+                                        <p:strVal val="visible"/>
+                                      </p:to>
+                                    </p:set>
+                                  </p:childTnLst>
+                                </p:cTn>
+                              </p:par>
+                            </p:childTnLst>
+                          </p:cTn>
+                        </p:par>
+                      </p:childTnLst>
+                    </p:cTn>
+                  </p:par>
+                  <p:par>
+                    <p:cTn id="42" fill="hold">
+                      <p:stCondLst>
+                        <p:cond delay="indefinite"/>
+                      </p:stCondLst>
+                      <p:childTnLst>
+                        <p:par>
+                          <p:cTn id="43" fill="hold">
+                            <p:stCondLst>
+                              <p:cond delay="0"/>
+                            </p:stCondLst>
+                            <p:childTnLst>
+                              <p:par>
+                                <p:cTn id="44" presetID="1" presetClass="entr" presetSubtype="0" fill="hold" nodeType="clickEffect">
+                                  <p:stCondLst>
+                                    <p:cond delay="0"/>
+                                  </p:stCondLst>
+                                  <p:childTnLst>
+                                    <p:set>
+                                      <p:cBhvr>
+                                        <p:cTn id="45" dur="1" fill="hold">
+                                          <p:stCondLst>
+                                            <p:cond delay="0"/>
+                                          </p:stCondLst>
+                                        </p:cTn>
+                                        <p:tgtEl>
+                                          <p:spTgt spid="27"/>
+                                        </p:tgtEl>
+                                        <p:attrNameLst>
+                                          <p:attrName>style.visibility</p:attrName>
+                                        </p:attrNameLst>
+                                      </p:cBhvr>
+                                      <p:to>
+                                        <p:strVal val="visible"/>
+                                      </p:to>
+                                    </p:set>
+                                  </p:childTnLst>
+                                </p:cTn>
+                              </p:par>
+                            </p:childTnLst>
+                          </p:cTn>
+                        </p:par>
+                      </p:childTnLst>
+                    </p:cTn>
+                  </p:par>
+                  <p:par>
+                    <p:cTn id="46" fill="hold">
+                      <p:stCondLst>
+                        <p:cond delay="indefinite"/>
+                      </p:stCondLst>
+                      <p:childTnLst>
+                        <p:par>
+                          <p:cTn id="47" fill="hold">
+                            <p:stCondLst>
+                              <p:cond delay="0"/>
+                            </p:stCondLst>
+                            <p:childTnLst>
+                              <p:par>
+                                <p:cTn id="48" presetID="1" presetClass="entr" presetSubtype="0" fill="hold" nodeType="clickEffect">
+                                  <p:stCondLst>
+                                    <p:cond delay="0"/>
+                                  </p:stCondLst>
+                                  <p:childTnLst>
+                                    <p:set>
+                                      <p:cBhvr>
+                                        <p:cTn id="49" dur="1" fill="hold">
+                                          <p:stCondLst>
+                                            <p:cond delay="0"/>
+                                          </p:stCondLst>
+                                        </p:cTn>
+                                        <p:tgtEl>
+                                          <p:spTgt spid="25"/>
+                                        </p:tgtEl>
+                                        <p:attrNameLst>
+                                          <p:attrName>style.visibility</p:attrName>
+                                        </p:attrNameLst>
+                                      </p:cBhvr>
+                                      <p:to>
+                                        <p:strVal val="visible"/>
+                                      </p:to>
+                                    </p:set>
+                                  </p:childTnLst>
+                                </p:cTn>
+                              </p:par>
+                            </p:childTnLst>
+                          </p:cTn>
+                        </p:par>
+                      </p:childTnLst>
+                    </p:cTn>
+                  </p:par>
                 </p:childTnLst>
               </p:cTn>
               <p:prevCondLst>
@@ -15501,6 +16232,13 @@
         </p:cTn>
       </p:par>
     </p:tnLst>
+    <p:bldLst>
+      <p:bldP spid="7" grpId="0" animBg="1"/>
+      <p:bldP spid="9" grpId="0" animBg="1"/>
+      <p:bldP spid="10" grpId="0" animBg="1"/>
+      <p:bldP spid="12" grpId="0" animBg="1"/>
+      <p:bldP spid="20" grpId="0" animBg="1"/>
+    </p:bldLst>
   </p:timing>
 </p:sld>
 </file>
